--- a/pyWorks/자료/python_ppt/flask project - 회원 커뮤니티(게시판) .pptx
+++ b/pyWorks/자료/python_ppt/flask project - 회원 커뮤니티(게시판) .pptx
@@ -5,7 +5,7 @@
     <p:sldMasterId id="2147483648" r:id="rId1"/>
   </p:sldMasterIdLst>
   <p:notesMasterIdLst>
-    <p:notesMasterId r:id="rId34"/>
+    <p:notesMasterId r:id="rId36"/>
   </p:notesMasterIdLst>
   <p:sldIdLst>
     <p:sldId id="256" r:id="rId2"/>
@@ -40,6 +40,8 @@
     <p:sldId id="480" r:id="rId31"/>
     <p:sldId id="478" r:id="rId32"/>
     <p:sldId id="479" r:id="rId33"/>
+    <p:sldId id="485" r:id="rId34"/>
+    <p:sldId id="486" r:id="rId35"/>
   </p:sldIdLst>
   <p:sldSz cx="9906000" cy="6858000" type="A4"/>
   <p:notesSz cx="6858000" cy="9144000"/>
@@ -239,7 +241,7 @@
           <a:p>
             <a:fld id="{7665CDAC-D627-4E87-877A-1B781DD4CADC}" type="datetimeFigureOut">
               <a:rPr lang="ko-KR" altLang="en-US" smtClean="0"/>
-              <a:t>2023-05-10</a:t>
+              <a:t>2023-05-11</a:t>
             </a:fld>
             <a:endParaRPr lang="ko-KR" altLang="en-US"/>
           </a:p>
@@ -651,7 +653,7 @@
           <a:p>
             <a:fld id="{C25BCFD5-C4DF-4EBC-B718-C69ED2FBDE6F}" type="datetime1">
               <a:rPr lang="ko-KR" altLang="en-US" smtClean="0"/>
-              <a:t>2023-05-10</a:t>
+              <a:t>2023-05-11</a:t>
             </a:fld>
             <a:endParaRPr lang="ko-KR" altLang="en-US"/>
           </a:p>
@@ -1102,7 +1104,7 @@
           <a:p>
             <a:fld id="{AB448CD7-D367-43D5-B461-ACE552E75063}" type="datetime1">
               <a:rPr lang="ko-KR" altLang="en-US" smtClean="0"/>
-              <a:t>2023-05-10</a:t>
+              <a:t>2023-05-11</a:t>
             </a:fld>
             <a:endParaRPr lang="ko-KR" altLang="en-US"/>
           </a:p>
@@ -1280,7 +1282,7 @@
           <a:p>
             <a:fld id="{B6E49E79-7361-4780-8BEF-7EDE3708298A}" type="datetime1">
               <a:rPr lang="ko-KR" altLang="en-US" smtClean="0"/>
-              <a:t>2023-05-10</a:t>
+              <a:t>2023-05-11</a:t>
             </a:fld>
             <a:endParaRPr lang="ko-KR" altLang="en-US"/>
           </a:p>
@@ -1452,7 +1454,7 @@
           <a:p>
             <a:fld id="{A4D42E3C-B70B-437C-85CF-1286301B9CBA}" type="datetime1">
               <a:rPr lang="ko-KR" altLang="en-US" smtClean="0"/>
-              <a:t>2023-05-10</a:t>
+              <a:t>2023-05-11</a:t>
             </a:fld>
             <a:endParaRPr lang="ko-KR" altLang="en-US"/>
           </a:p>
@@ -1704,7 +1706,7 @@
           <a:p>
             <a:fld id="{B3369A20-5B3D-4D98-A822-26B93D177A40}" type="datetime1">
               <a:rPr lang="ko-KR" altLang="en-US" smtClean="0"/>
-              <a:t>2023-05-10</a:t>
+              <a:t>2023-05-11</a:t>
             </a:fld>
             <a:endParaRPr lang="ko-KR" altLang="en-US"/>
           </a:p>
@@ -1989,7 +1991,7 @@
           <a:p>
             <a:fld id="{685CD4CE-9E43-4F70-A9D8-A2130CA7D92A}" type="datetime1">
               <a:rPr lang="ko-KR" altLang="en-US" smtClean="0"/>
-              <a:t>2023-05-10</a:t>
+              <a:t>2023-05-11</a:t>
             </a:fld>
             <a:endParaRPr lang="ko-KR" altLang="en-US"/>
           </a:p>
@@ -2415,7 +2417,7 @@
           <a:p>
             <a:fld id="{F752BD92-DA3E-4A0B-90C9-7DE5E15B6E96}" type="datetime1">
               <a:rPr lang="ko-KR" altLang="en-US" smtClean="0"/>
-              <a:t>2023-05-10</a:t>
+              <a:t>2023-05-11</a:t>
             </a:fld>
             <a:endParaRPr lang="ko-KR" altLang="en-US"/>
           </a:p>
@@ -2539,7 +2541,7 @@
           <a:p>
             <a:fld id="{8EA2B83A-F366-424E-B742-340ACF856BB5}" type="datetime1">
               <a:rPr lang="ko-KR" altLang="en-US" smtClean="0"/>
-              <a:t>2023-05-10</a:t>
+              <a:t>2023-05-11</a:t>
             </a:fld>
             <a:endParaRPr lang="ko-KR" altLang="en-US"/>
           </a:p>
@@ -2634,7 +2636,7 @@
           <a:p>
             <a:fld id="{9A49D68B-5DBD-48E9-A8D4-FCBC4B3DD9C6}" type="datetime1">
               <a:rPr lang="ko-KR" altLang="en-US" smtClean="0"/>
-              <a:t>2023-05-10</a:t>
+              <a:t>2023-05-11</a:t>
             </a:fld>
             <a:endParaRPr lang="ko-KR" altLang="en-US"/>
           </a:p>
@@ -2909,7 +2911,7 @@
           <a:p>
             <a:fld id="{4CAB534F-7D16-467B-9320-91F98915D181}" type="datetime1">
               <a:rPr lang="ko-KR" altLang="en-US" smtClean="0"/>
-              <a:t>2023-05-10</a:t>
+              <a:t>2023-05-11</a:t>
             </a:fld>
             <a:endParaRPr lang="ko-KR" altLang="en-US"/>
           </a:p>
@@ -3161,7 +3163,7 @@
           <a:p>
             <a:fld id="{A390A91F-2F8D-4486-A69D-D680F95444B0}" type="datetime1">
               <a:rPr lang="ko-KR" altLang="en-US" smtClean="0"/>
-              <a:t>2023-05-10</a:t>
+              <a:t>2023-05-11</a:t>
             </a:fld>
             <a:endParaRPr lang="ko-KR" altLang="en-US"/>
           </a:p>
@@ -3340,7 +3342,7 @@
           <a:p>
             <a:fld id="{2238BBEA-E8DD-414A-BF68-FC2AFA7CFF2D}" type="datetime1">
               <a:rPr lang="ko-KR" altLang="en-US" smtClean="0"/>
-              <a:t>2023-05-10</a:t>
+              <a:t>2023-05-11</a:t>
             </a:fld>
             <a:endParaRPr lang="ko-KR" altLang="en-US"/>
           </a:p>
@@ -5095,11 +5097,7 @@
           <a:p>
             <a:r>
               <a:rPr lang="en-US" altLang="ko-KR" dirty="0" smtClean="0"/>
-              <a:t>style</a:t>
-            </a:r>
-            <a:r>
-              <a:rPr lang="en-US" altLang="ko-KR" dirty="0" smtClean="0"/>
-              <a:t>.css</a:t>
+              <a:t>style.css</a:t>
             </a:r>
             <a:endParaRPr lang="ko-KR" altLang="en-US" dirty="0"/>
           </a:p>
@@ -5253,11 +5251,7 @@
           <a:p>
             <a:r>
               <a:rPr lang="en-US" altLang="ko-KR" dirty="0" smtClean="0"/>
-              <a:t>style</a:t>
-            </a:r>
-            <a:r>
-              <a:rPr lang="en-US" altLang="ko-KR" dirty="0" smtClean="0"/>
-              <a:t>.css</a:t>
+              <a:t>style.css</a:t>
             </a:r>
             <a:endParaRPr lang="ko-KR" altLang="en-US" dirty="0"/>
           </a:p>
@@ -5411,11 +5405,7 @@
           <a:p>
             <a:r>
               <a:rPr lang="en-US" altLang="ko-KR" dirty="0" smtClean="0"/>
-              <a:t>style</a:t>
-            </a:r>
-            <a:r>
-              <a:rPr lang="en-US" altLang="ko-KR" dirty="0" smtClean="0"/>
-              <a:t>.css</a:t>
+              <a:t>style.css</a:t>
             </a:r>
             <a:endParaRPr lang="ko-KR" altLang="en-US" dirty="0"/>
           </a:p>
@@ -5569,11 +5559,7 @@
           <a:p>
             <a:r>
               <a:rPr lang="en-US" altLang="ko-KR" dirty="0" smtClean="0"/>
-              <a:t>style</a:t>
-            </a:r>
-            <a:r>
-              <a:rPr lang="en-US" altLang="ko-KR" dirty="0" smtClean="0"/>
-              <a:t>.css</a:t>
+              <a:t>style.css</a:t>
             </a:r>
             <a:endParaRPr lang="ko-KR" altLang="en-US" dirty="0"/>
           </a:p>
@@ -5727,11 +5713,7 @@
           <a:p>
             <a:r>
               <a:rPr lang="en-US" altLang="ko-KR" dirty="0" smtClean="0"/>
-              <a:t>style</a:t>
-            </a:r>
-            <a:r>
-              <a:rPr lang="en-US" altLang="ko-KR" dirty="0" smtClean="0"/>
-              <a:t>.css</a:t>
+              <a:t>style.css</a:t>
             </a:r>
             <a:endParaRPr lang="ko-KR" altLang="en-US" dirty="0"/>
           </a:p>
@@ -6008,11 +5990,7 @@
           <a:p>
             <a:r>
               <a:rPr lang="en-US" altLang="ko-KR" dirty="0" smtClean="0"/>
-              <a:t>style</a:t>
-            </a:r>
-            <a:r>
-              <a:rPr lang="en-US" altLang="ko-KR" dirty="0" smtClean="0"/>
-              <a:t>.css</a:t>
+              <a:t>style.css</a:t>
             </a:r>
             <a:endParaRPr lang="ko-KR" altLang="en-US" dirty="0"/>
           </a:p>
@@ -6129,11 +6107,7 @@
           <a:p>
             <a:r>
               <a:rPr lang="en-US" altLang="ko-KR" dirty="0" smtClean="0"/>
-              <a:t>style</a:t>
-            </a:r>
-            <a:r>
-              <a:rPr lang="en-US" altLang="ko-KR" dirty="0" smtClean="0"/>
-              <a:t>.css</a:t>
+              <a:t>style.css</a:t>
             </a:r>
             <a:endParaRPr lang="ko-KR" altLang="en-US" dirty="0"/>
           </a:p>
@@ -6324,11 +6298,7 @@
           <a:p>
             <a:r>
               <a:rPr lang="en-US" altLang="ko-KR" dirty="0" smtClean="0"/>
-              <a:t>style</a:t>
-            </a:r>
-            <a:r>
-              <a:rPr lang="en-US" altLang="ko-KR" dirty="0" smtClean="0"/>
-              <a:t>.css</a:t>
+              <a:t>style.css</a:t>
             </a:r>
             <a:endParaRPr lang="ko-KR" altLang="en-US" dirty="0"/>
           </a:p>
@@ -6482,11 +6452,7 @@
           <a:p>
             <a:r>
               <a:rPr lang="en-US" altLang="ko-KR" dirty="0" smtClean="0"/>
-              <a:t>style</a:t>
-            </a:r>
-            <a:r>
-              <a:rPr lang="en-US" altLang="ko-KR" dirty="0" smtClean="0"/>
-              <a:t>.css</a:t>
+              <a:t>style.css</a:t>
             </a:r>
             <a:endParaRPr lang="ko-KR" altLang="en-US" dirty="0"/>
           </a:p>
@@ -6603,11 +6569,7 @@
           <a:p>
             <a:r>
               <a:rPr lang="en-US" altLang="ko-KR" dirty="0" smtClean="0"/>
-              <a:t>style</a:t>
-            </a:r>
-            <a:r>
-              <a:rPr lang="en-US" altLang="ko-KR" dirty="0" smtClean="0"/>
-              <a:t>.css</a:t>
+              <a:t>style.css</a:t>
             </a:r>
             <a:endParaRPr lang="ko-KR" altLang="en-US" dirty="0"/>
           </a:p>
@@ -7759,11 +7721,7 @@
           <a:p>
             <a:r>
               <a:rPr lang="en-US" altLang="ko-KR" dirty="0" smtClean="0"/>
-              <a:t>update</a:t>
-            </a:r>
-            <a:r>
-              <a:rPr lang="en-US" altLang="ko-KR" dirty="0" smtClean="0"/>
-              <a:t>.html</a:t>
+              <a:t>update.html</a:t>
             </a:r>
             <a:endParaRPr lang="ko-KR" altLang="en-US" dirty="0"/>
           </a:p>
@@ -7913,6 +7871,355 @@
 </p:sld>
 </file>
 
+<file path=ppt/slides/slide33.xml><?xml version="1.0" encoding="utf-8"?>
+<p:sld xmlns:a="http://schemas.openxmlformats.org/drawingml/2006/main" xmlns:r="http://schemas.openxmlformats.org/officeDocument/2006/relationships" xmlns:p="http://schemas.openxmlformats.org/presentationml/2006/main">
+  <p:cSld>
+    <p:spTree>
+      <p:nvGrpSpPr>
+        <p:cNvPr id="1" name=""/>
+        <p:cNvGrpSpPr/>
+        <p:nvPr/>
+      </p:nvGrpSpPr>
+      <p:grpSpPr>
+        <a:xfrm>
+          <a:off x="0" y="0"/>
+          <a:ext cx="0" cy="0"/>
+          <a:chOff x="0" y="0"/>
+          <a:chExt cx="0" cy="0"/>
+        </a:xfrm>
+      </p:grpSpPr>
+      <p:sp>
+        <p:nvSpPr>
+          <p:cNvPr id="2" name="제목 1"/>
+          <p:cNvSpPr>
+            <a:spLocks noGrp="1"/>
+          </p:cNvSpPr>
+          <p:nvPr>
+            <p:ph type="title"/>
+          </p:nvPr>
+        </p:nvSpPr>
+        <p:spPr/>
+        <p:txBody>
+          <a:bodyPr/>
+          <a:lstStyle/>
+          <a:p>
+            <a:r>
+              <a:rPr lang="en-US" altLang="ko-KR" dirty="0"/>
+              <a:t> </a:t>
+            </a:r>
+            <a:r>
+              <a:rPr lang="ko-KR" altLang="en-US" dirty="0" smtClean="0"/>
+              <a:t>회원 커뮤니티 사이트</a:t>
+            </a:r>
+            <a:endParaRPr lang="ko-KR" altLang="en-US" dirty="0"/>
+          </a:p>
+        </p:txBody>
+      </p:sp>
+      <p:sp>
+        <p:nvSpPr>
+          <p:cNvPr id="4" name="슬라이드 번호 개체 틀 3"/>
+          <p:cNvSpPr>
+            <a:spLocks noGrp="1"/>
+          </p:cNvSpPr>
+          <p:nvPr>
+            <p:ph type="sldNum" sz="quarter" idx="12"/>
+          </p:nvPr>
+        </p:nvSpPr>
+        <p:spPr/>
+        <p:txBody>
+          <a:bodyPr/>
+          <a:lstStyle/>
+          <a:p>
+            <a:fld id="{1BDE3FE7-3AEA-4B05-AC5A-802D1816ACF0}" type="slidenum">
+              <a:rPr lang="ko-KR" altLang="en-US" smtClean="0"/>
+              <a:t>33</a:t>
+            </a:fld>
+            <a:endParaRPr lang="ko-KR" altLang="en-US"/>
+          </a:p>
+        </p:txBody>
+      </p:sp>
+      <p:sp>
+        <p:nvSpPr>
+          <p:cNvPr id="6" name="TextBox 5"/>
+          <p:cNvSpPr txBox="1"/>
+          <p:nvPr/>
+        </p:nvSpPr>
+        <p:spPr>
+          <a:xfrm>
+            <a:off x="1136576" y="1412776"/>
+            <a:ext cx="1845377" cy="400110"/>
+          </a:xfrm>
+          <a:prstGeom prst="rect">
+            <a:avLst/>
+          </a:prstGeom>
+          <a:noFill/>
+        </p:spPr>
+        <p:txBody>
+          <a:bodyPr wrap="none" rtlCol="0">
+            <a:spAutoFit/>
+          </a:bodyPr>
+          <a:lstStyle/>
+          <a:p>
+            <a:pPr marL="285750" indent="-285750">
+              <a:buFont typeface="Wingdings" panose="05000000000000000000" pitchFamily="2" charset="2"/>
+              <a:buChar char="l"/>
+            </a:pPr>
+            <a:r>
+              <a:rPr lang="ko-KR" altLang="en-US" sz="2000" dirty="0" smtClean="0"/>
+              <a:t>조회수 증가</a:t>
+            </a:r>
+            <a:endParaRPr lang="ko-KR" altLang="en-US" sz="2000" dirty="0"/>
+          </a:p>
+        </p:txBody>
+      </p:sp>
+      <p:pic>
+        <p:nvPicPr>
+          <p:cNvPr id="7" name="그림 6"/>
+          <p:cNvPicPr>
+            <a:picLocks noChangeAspect="1"/>
+          </p:cNvPicPr>
+          <p:nvPr/>
+        </p:nvPicPr>
+        <p:blipFill>
+          <a:blip r:embed="rId2">
+            <a:extLst>
+              <a:ext uri="{28A0092B-C50C-407E-A947-70E740481C1C}">
+                <a14:useLocalDpi xmlns:a14="http://schemas.microsoft.com/office/drawing/2010/main" val="0"/>
+              </a:ext>
+            </a:extLst>
+          </a:blip>
+          <a:stretch>
+            <a:fillRect/>
+          </a:stretch>
+        </p:blipFill>
+        <p:spPr>
+          <a:xfrm>
+            <a:off x="1136576" y="2132856"/>
+            <a:ext cx="6713802" cy="3513124"/>
+          </a:xfrm>
+          <a:prstGeom prst="rect">
+            <a:avLst/>
+          </a:prstGeom>
+        </p:spPr>
+      </p:pic>
+      <p:sp>
+        <p:nvSpPr>
+          <p:cNvPr id="8" name="모서리가 둥근 직사각형 7"/>
+          <p:cNvSpPr/>
+          <p:nvPr/>
+        </p:nvSpPr>
+        <p:spPr>
+          <a:xfrm>
+            <a:off x="5601072" y="2708920"/>
+            <a:ext cx="864096" cy="2304256"/>
+          </a:xfrm>
+          <a:prstGeom prst="roundRect">
+            <a:avLst/>
+          </a:prstGeom>
+          <a:noFill/>
+          <a:ln/>
+        </p:spPr>
+        <p:style>
+          <a:lnRef idx="2">
+            <a:schemeClr val="accent2"/>
+          </a:lnRef>
+          <a:fillRef idx="1">
+            <a:schemeClr val="lt1"/>
+          </a:fillRef>
+          <a:effectRef idx="0">
+            <a:schemeClr val="accent2"/>
+          </a:effectRef>
+          <a:fontRef idx="minor">
+            <a:schemeClr val="dk1"/>
+          </a:fontRef>
+        </p:style>
+        <p:txBody>
+          <a:bodyPr rtlCol="0" anchor="ctr"/>
+          <a:lstStyle/>
+          <a:p>
+            <a:pPr algn="ctr"/>
+            <a:endParaRPr lang="ko-KR" altLang="en-US"/>
+          </a:p>
+        </p:txBody>
+      </p:sp>
+    </p:spTree>
+    <p:extLst>
+      <p:ext uri="{BB962C8B-B14F-4D97-AF65-F5344CB8AC3E}">
+        <p14:creationId xmlns:p14="http://schemas.microsoft.com/office/powerpoint/2010/main" val="4202228041"/>
+      </p:ext>
+    </p:extLst>
+  </p:cSld>
+  <p:clrMapOvr>
+    <a:masterClrMapping/>
+  </p:clrMapOvr>
+  <p:timing>
+    <p:tnLst>
+      <p:par>
+        <p:cTn id="1" dur="indefinite" restart="never" nodeType="tmRoot"/>
+      </p:par>
+    </p:tnLst>
+  </p:timing>
+</p:sld>
+</file>
+
+<file path=ppt/slides/slide34.xml><?xml version="1.0" encoding="utf-8"?>
+<p:sld xmlns:a="http://schemas.openxmlformats.org/drawingml/2006/main" xmlns:r="http://schemas.openxmlformats.org/officeDocument/2006/relationships" xmlns:p="http://schemas.openxmlformats.org/presentationml/2006/main">
+  <p:cSld>
+    <p:spTree>
+      <p:nvGrpSpPr>
+        <p:cNvPr id="1" name=""/>
+        <p:cNvGrpSpPr/>
+        <p:nvPr/>
+      </p:nvGrpSpPr>
+      <p:grpSpPr>
+        <a:xfrm>
+          <a:off x="0" y="0"/>
+          <a:ext cx="0" cy="0"/>
+          <a:chOff x="0" y="0"/>
+          <a:chExt cx="0" cy="0"/>
+        </a:xfrm>
+      </p:grpSpPr>
+      <p:sp>
+        <p:nvSpPr>
+          <p:cNvPr id="2" name="제목 1"/>
+          <p:cNvSpPr>
+            <a:spLocks noGrp="1"/>
+          </p:cNvSpPr>
+          <p:nvPr>
+            <p:ph type="title"/>
+          </p:nvPr>
+        </p:nvSpPr>
+        <p:spPr/>
+        <p:txBody>
+          <a:bodyPr/>
+          <a:lstStyle/>
+          <a:p>
+            <a:r>
+              <a:rPr lang="en-US" altLang="ko-KR" dirty="0"/>
+              <a:t> </a:t>
+            </a:r>
+            <a:r>
+              <a:rPr lang="ko-KR" altLang="en-US" dirty="0" smtClean="0"/>
+              <a:t>회원 커뮤니티 사이트</a:t>
+            </a:r>
+            <a:endParaRPr lang="ko-KR" altLang="en-US" dirty="0"/>
+          </a:p>
+        </p:txBody>
+      </p:sp>
+      <p:sp>
+        <p:nvSpPr>
+          <p:cNvPr id="4" name="슬라이드 번호 개체 틀 3"/>
+          <p:cNvSpPr>
+            <a:spLocks noGrp="1"/>
+          </p:cNvSpPr>
+          <p:nvPr>
+            <p:ph type="sldNum" sz="quarter" idx="12"/>
+          </p:nvPr>
+        </p:nvSpPr>
+        <p:spPr/>
+        <p:txBody>
+          <a:bodyPr/>
+          <a:lstStyle/>
+          <a:p>
+            <a:fld id="{1BDE3FE7-3AEA-4B05-AC5A-802D1816ACF0}" type="slidenum">
+              <a:rPr lang="ko-KR" altLang="en-US" smtClean="0"/>
+              <a:t>34</a:t>
+            </a:fld>
+            <a:endParaRPr lang="ko-KR" altLang="en-US"/>
+          </a:p>
+        </p:txBody>
+      </p:sp>
+      <p:sp>
+        <p:nvSpPr>
+          <p:cNvPr id="6" name="TextBox 5"/>
+          <p:cNvSpPr txBox="1"/>
+          <p:nvPr/>
+        </p:nvSpPr>
+        <p:spPr>
+          <a:xfrm>
+            <a:off x="1136576" y="1412776"/>
+            <a:ext cx="1845377" cy="400110"/>
+          </a:xfrm>
+          <a:prstGeom prst="rect">
+            <a:avLst/>
+          </a:prstGeom>
+          <a:noFill/>
+        </p:spPr>
+        <p:txBody>
+          <a:bodyPr wrap="none" rtlCol="0">
+            <a:spAutoFit/>
+          </a:bodyPr>
+          <a:lstStyle/>
+          <a:p>
+            <a:pPr marL="285750" indent="-285750">
+              <a:buFont typeface="Wingdings" panose="05000000000000000000" pitchFamily="2" charset="2"/>
+              <a:buChar char="l"/>
+            </a:pPr>
+            <a:r>
+              <a:rPr lang="ko-KR" altLang="en-US" sz="2000" dirty="0" smtClean="0"/>
+              <a:t>조회수 증가</a:t>
+            </a:r>
+            <a:endParaRPr lang="ko-KR" altLang="en-US" sz="2000" dirty="0"/>
+          </a:p>
+        </p:txBody>
+      </p:sp>
+      <p:pic>
+        <p:nvPicPr>
+          <p:cNvPr id="3" name="그림 2"/>
+          <p:cNvPicPr>
+            <a:picLocks noChangeAspect="1"/>
+          </p:cNvPicPr>
+          <p:nvPr/>
+        </p:nvPicPr>
+        <p:blipFill>
+          <a:blip r:embed="rId2">
+            <a:extLst>
+              <a:ext uri="{28A0092B-C50C-407E-A947-70E740481C1C}">
+                <a14:useLocalDpi xmlns:a14="http://schemas.microsoft.com/office/drawing/2010/main" val="0"/>
+              </a:ext>
+            </a:extLst>
+          </a:blip>
+          <a:stretch>
+            <a:fillRect/>
+          </a:stretch>
+        </p:blipFill>
+        <p:spPr>
+          <a:xfrm>
+            <a:off x="1424608" y="1988840"/>
+            <a:ext cx="7529212" cy="4275190"/>
+          </a:xfrm>
+          <a:prstGeom prst="rect">
+            <a:avLst/>
+          </a:prstGeom>
+          <a:ln>
+            <a:solidFill>
+              <a:schemeClr val="bg1">
+                <a:lumMod val="85000"/>
+              </a:schemeClr>
+            </a:solidFill>
+          </a:ln>
+        </p:spPr>
+      </p:pic>
+    </p:spTree>
+    <p:extLst>
+      <p:ext uri="{BB962C8B-B14F-4D97-AF65-F5344CB8AC3E}">
+        <p14:creationId xmlns:p14="http://schemas.microsoft.com/office/powerpoint/2010/main" val="2386156921"/>
+      </p:ext>
+    </p:extLst>
+  </p:cSld>
+  <p:clrMapOvr>
+    <a:masterClrMapping/>
+  </p:clrMapOvr>
+  <p:timing>
+    <p:tnLst>
+      <p:par>
+        <p:cTn id="1" dur="indefinite" restart="never" nodeType="tmRoot"/>
+      </p:par>
+    </p:tnLst>
+  </p:timing>
+</p:sld>
+</file>
+
 <file path=ppt/slides/slide4.xml><?xml version="1.0" encoding="utf-8"?>
 <p:sld xmlns:a="http://schemas.openxmlformats.org/drawingml/2006/main" xmlns:r="http://schemas.openxmlformats.org/officeDocument/2006/relationships" xmlns:p="http://schemas.openxmlformats.org/presentationml/2006/main">
   <p:cSld>
@@ -8041,11 +8348,7 @@
           <a:p>
             <a:r>
               <a:rPr lang="en-US" altLang="ko-KR" dirty="0" smtClean="0"/>
-              <a:t>dbconn</a:t>
-            </a:r>
-            <a:r>
-              <a:rPr lang="en-US" altLang="ko-KR" dirty="0" smtClean="0"/>
-              <a:t>.py</a:t>
+              <a:t>dbconn.py</a:t>
             </a:r>
             <a:endParaRPr lang="ko-KR" altLang="en-US" dirty="0"/>
           </a:p>
@@ -8199,11 +8502,7 @@
           <a:p>
             <a:r>
               <a:rPr lang="en-US" altLang="ko-KR" dirty="0" smtClean="0"/>
-              <a:t>dbconn</a:t>
-            </a:r>
-            <a:r>
-              <a:rPr lang="en-US" altLang="ko-KR" dirty="0" smtClean="0"/>
-              <a:t>.py</a:t>
+              <a:t>dbconn.py</a:t>
             </a:r>
             <a:endParaRPr lang="ko-KR" altLang="en-US" dirty="0"/>
           </a:p>
@@ -8357,11 +8656,7 @@
           <a:p>
             <a:r>
               <a:rPr lang="en-US" altLang="ko-KR" dirty="0" smtClean="0"/>
-              <a:t>dbconn</a:t>
-            </a:r>
-            <a:r>
-              <a:rPr lang="en-US" altLang="ko-KR" dirty="0" smtClean="0"/>
-              <a:t>.py</a:t>
+              <a:t>dbconn.py</a:t>
             </a:r>
             <a:endParaRPr lang="ko-KR" altLang="en-US" dirty="0"/>
           </a:p>

--- a/pyWorks/자료/python_ppt/flask project - 회원 커뮤니티(게시판) .pptx
+++ b/pyWorks/자료/python_ppt/flask project - 회원 커뮤니티(게시판) .pptx
@@ -5,7 +5,7 @@
     <p:sldMasterId id="2147483648" r:id="rId1"/>
   </p:sldMasterIdLst>
   <p:notesMasterIdLst>
-    <p:notesMasterId r:id="rId36"/>
+    <p:notesMasterId r:id="rId43"/>
   </p:notesMasterIdLst>
   <p:sldIdLst>
     <p:sldId id="256" r:id="rId2"/>
@@ -30,18 +30,25 @@
     <p:sldId id="467" r:id="rId21"/>
     <p:sldId id="468" r:id="rId22"/>
     <p:sldId id="469" r:id="rId23"/>
-    <p:sldId id="470" r:id="rId24"/>
-    <p:sldId id="471" r:id="rId25"/>
-    <p:sldId id="472" r:id="rId26"/>
-    <p:sldId id="473" r:id="rId27"/>
-    <p:sldId id="474" r:id="rId28"/>
-    <p:sldId id="475" r:id="rId29"/>
-    <p:sldId id="476" r:id="rId30"/>
-    <p:sldId id="480" r:id="rId31"/>
-    <p:sldId id="478" r:id="rId32"/>
-    <p:sldId id="479" r:id="rId33"/>
-    <p:sldId id="485" r:id="rId34"/>
-    <p:sldId id="486" r:id="rId35"/>
+    <p:sldId id="493" r:id="rId24"/>
+    <p:sldId id="470" r:id="rId25"/>
+    <p:sldId id="471" r:id="rId26"/>
+    <p:sldId id="472" r:id="rId27"/>
+    <p:sldId id="473" r:id="rId28"/>
+    <p:sldId id="474" r:id="rId29"/>
+    <p:sldId id="475" r:id="rId30"/>
+    <p:sldId id="476" r:id="rId31"/>
+    <p:sldId id="480" r:id="rId32"/>
+    <p:sldId id="478" r:id="rId33"/>
+    <p:sldId id="479" r:id="rId34"/>
+    <p:sldId id="485" r:id="rId35"/>
+    <p:sldId id="486" r:id="rId36"/>
+    <p:sldId id="489" r:id="rId37"/>
+    <p:sldId id="490" r:id="rId38"/>
+    <p:sldId id="487" r:id="rId39"/>
+    <p:sldId id="491" r:id="rId40"/>
+    <p:sldId id="492" r:id="rId41"/>
+    <p:sldId id="488" r:id="rId42"/>
   </p:sldIdLst>
   <p:sldSz cx="9906000" cy="6858000" type="A4"/>
   <p:notesSz cx="6858000" cy="9144000"/>
@@ -241,7 +248,7 @@
           <a:p>
             <a:fld id="{7665CDAC-D627-4E87-877A-1B781DD4CADC}" type="datetimeFigureOut">
               <a:rPr lang="ko-KR" altLang="en-US" smtClean="0"/>
-              <a:t>2023-05-11</a:t>
+              <a:t>2023-05-14</a:t>
             </a:fld>
             <a:endParaRPr lang="ko-KR" altLang="en-US"/>
           </a:p>
@@ -653,7 +660,7 @@
           <a:p>
             <a:fld id="{C25BCFD5-C4DF-4EBC-B718-C69ED2FBDE6F}" type="datetime1">
               <a:rPr lang="ko-KR" altLang="en-US" smtClean="0"/>
-              <a:t>2023-05-11</a:t>
+              <a:t>2023-05-14</a:t>
             </a:fld>
             <a:endParaRPr lang="ko-KR" altLang="en-US"/>
           </a:p>
@@ -1104,7 +1111,7 @@
           <a:p>
             <a:fld id="{AB448CD7-D367-43D5-B461-ACE552E75063}" type="datetime1">
               <a:rPr lang="ko-KR" altLang="en-US" smtClean="0"/>
-              <a:t>2023-05-11</a:t>
+              <a:t>2023-05-14</a:t>
             </a:fld>
             <a:endParaRPr lang="ko-KR" altLang="en-US"/>
           </a:p>
@@ -1282,7 +1289,7 @@
           <a:p>
             <a:fld id="{B6E49E79-7361-4780-8BEF-7EDE3708298A}" type="datetime1">
               <a:rPr lang="ko-KR" altLang="en-US" smtClean="0"/>
-              <a:t>2023-05-11</a:t>
+              <a:t>2023-05-14</a:t>
             </a:fld>
             <a:endParaRPr lang="ko-KR" altLang="en-US"/>
           </a:p>
@@ -1454,7 +1461,7 @@
           <a:p>
             <a:fld id="{A4D42E3C-B70B-437C-85CF-1286301B9CBA}" type="datetime1">
               <a:rPr lang="ko-KR" altLang="en-US" smtClean="0"/>
-              <a:t>2023-05-11</a:t>
+              <a:t>2023-05-14</a:t>
             </a:fld>
             <a:endParaRPr lang="ko-KR" altLang="en-US"/>
           </a:p>
@@ -1706,7 +1713,7 @@
           <a:p>
             <a:fld id="{B3369A20-5B3D-4D98-A822-26B93D177A40}" type="datetime1">
               <a:rPr lang="ko-KR" altLang="en-US" smtClean="0"/>
-              <a:t>2023-05-11</a:t>
+              <a:t>2023-05-14</a:t>
             </a:fld>
             <a:endParaRPr lang="ko-KR" altLang="en-US"/>
           </a:p>
@@ -1991,7 +1998,7 @@
           <a:p>
             <a:fld id="{685CD4CE-9E43-4F70-A9D8-A2130CA7D92A}" type="datetime1">
               <a:rPr lang="ko-KR" altLang="en-US" smtClean="0"/>
-              <a:t>2023-05-11</a:t>
+              <a:t>2023-05-14</a:t>
             </a:fld>
             <a:endParaRPr lang="ko-KR" altLang="en-US"/>
           </a:p>
@@ -2417,7 +2424,7 @@
           <a:p>
             <a:fld id="{F752BD92-DA3E-4A0B-90C9-7DE5E15B6E96}" type="datetime1">
               <a:rPr lang="ko-KR" altLang="en-US" smtClean="0"/>
-              <a:t>2023-05-11</a:t>
+              <a:t>2023-05-14</a:t>
             </a:fld>
             <a:endParaRPr lang="ko-KR" altLang="en-US"/>
           </a:p>
@@ -2541,7 +2548,7 @@
           <a:p>
             <a:fld id="{8EA2B83A-F366-424E-B742-340ACF856BB5}" type="datetime1">
               <a:rPr lang="ko-KR" altLang="en-US" smtClean="0"/>
-              <a:t>2023-05-11</a:t>
+              <a:t>2023-05-14</a:t>
             </a:fld>
             <a:endParaRPr lang="ko-KR" altLang="en-US"/>
           </a:p>
@@ -2636,7 +2643,7 @@
           <a:p>
             <a:fld id="{9A49D68B-5DBD-48E9-A8D4-FCBC4B3DD9C6}" type="datetime1">
               <a:rPr lang="ko-KR" altLang="en-US" smtClean="0"/>
-              <a:t>2023-05-11</a:t>
+              <a:t>2023-05-14</a:t>
             </a:fld>
             <a:endParaRPr lang="ko-KR" altLang="en-US"/>
           </a:p>
@@ -2911,7 +2918,7 @@
           <a:p>
             <a:fld id="{4CAB534F-7D16-467B-9320-91F98915D181}" type="datetime1">
               <a:rPr lang="ko-KR" altLang="en-US" smtClean="0"/>
-              <a:t>2023-05-11</a:t>
+              <a:t>2023-05-14</a:t>
             </a:fld>
             <a:endParaRPr lang="ko-KR" altLang="en-US"/>
           </a:p>
@@ -3163,7 +3170,7 @@
           <a:p>
             <a:fld id="{A390A91F-2F8D-4486-A69D-D680F95444B0}" type="datetime1">
               <a:rPr lang="ko-KR" altLang="en-US" smtClean="0"/>
-              <a:t>2023-05-11</a:t>
+              <a:t>2023-05-14</a:t>
             </a:fld>
             <a:endParaRPr lang="ko-KR" altLang="en-US"/>
           </a:p>
@@ -3342,7 +3349,7 @@
           <a:p>
             <a:fld id="{2238BBEA-E8DD-414A-BF68-FC2AFA7CFF2D}" type="datetime1">
               <a:rPr lang="ko-KR" altLang="en-US" smtClean="0"/>
-              <a:t>2023-05-11</a:t>
+              <a:t>2023-05-14</a:t>
             </a:fld>
             <a:endParaRPr lang="ko-KR" altLang="en-US"/>
           </a:p>
@@ -5654,7 +5661,7 @@
       </p:sp>
       <p:pic>
         <p:nvPicPr>
-          <p:cNvPr id="3" name="그림 2"/>
+          <p:cNvPr id="5" name="그림 4"/>
           <p:cNvPicPr>
             <a:picLocks noChangeAspect="1"/>
           </p:cNvPicPr>
@@ -5674,8 +5681,8 @@
         </p:blipFill>
         <p:spPr>
           <a:xfrm>
-            <a:off x="673999" y="1554317"/>
-            <a:ext cx="8558002" cy="3749365"/>
+            <a:off x="841085" y="1189654"/>
+            <a:ext cx="8291752" cy="5479706"/>
           </a:xfrm>
           <a:prstGeom prst="rect">
             <a:avLst/>
@@ -5697,8 +5704,8 @@
         </p:nvSpPr>
         <p:spPr>
           <a:xfrm>
-            <a:off x="7909701" y="1700808"/>
-            <a:ext cx="1579804" cy="369332"/>
+            <a:off x="8409384" y="1340768"/>
+            <a:ext cx="1307324" cy="369332"/>
           </a:xfrm>
           <a:prstGeom prst="rect">
             <a:avLst/>
@@ -6239,7 +6246,7 @@
       </p:sp>
       <p:pic>
         <p:nvPicPr>
-          <p:cNvPr id="5" name="그림 4"/>
+          <p:cNvPr id="3" name="그림 2"/>
           <p:cNvPicPr>
             <a:picLocks noChangeAspect="1"/>
           </p:cNvPicPr>
@@ -6259,8 +6266,8 @@
         </p:blipFill>
         <p:spPr>
           <a:xfrm>
-            <a:off x="820124" y="1229808"/>
-            <a:ext cx="8320540" cy="5223529"/>
+            <a:off x="776535" y="1268760"/>
+            <a:ext cx="8429679" cy="4896544"/>
           </a:xfrm>
           <a:prstGeom prst="rect">
             <a:avLst/>
@@ -6282,8 +6289,8 @@
         </p:nvSpPr>
         <p:spPr>
           <a:xfrm>
-            <a:off x="8063531" y="1412776"/>
-            <a:ext cx="1579804" cy="369332"/>
+            <a:off x="8481392" y="1412776"/>
+            <a:ext cx="1073324" cy="369332"/>
           </a:xfrm>
           <a:prstGeom prst="rect">
             <a:avLst/>
@@ -6393,7 +6400,7 @@
       </p:sp>
       <p:pic>
         <p:nvPicPr>
-          <p:cNvPr id="3" name="그림 2"/>
+          <p:cNvPr id="5" name="그림 4"/>
           <p:cNvPicPr>
             <a:picLocks noChangeAspect="1"/>
           </p:cNvPicPr>
@@ -6413,8 +6420,8 @@
         </p:blipFill>
         <p:spPr>
           <a:xfrm>
-            <a:off x="728074" y="1196752"/>
-            <a:ext cx="8329382" cy="5349704"/>
+            <a:off x="774911" y="1196752"/>
+            <a:ext cx="8359241" cy="5184576"/>
           </a:xfrm>
           <a:prstGeom prst="rect">
             <a:avLst/>
@@ -6436,8 +6443,8 @@
         </p:nvSpPr>
         <p:spPr>
           <a:xfrm>
-            <a:off x="8063531" y="1412776"/>
-            <a:ext cx="1579804" cy="369332"/>
+            <a:off x="8481392" y="1412776"/>
+            <a:ext cx="1073324" cy="369332"/>
           </a:xfrm>
           <a:prstGeom prst="rect">
             <a:avLst/>
@@ -6461,7 +6468,7 @@
     </p:spTree>
     <p:extLst>
       <p:ext uri="{BB962C8B-B14F-4D97-AF65-F5344CB8AC3E}">
-        <p14:creationId xmlns:p14="http://schemas.microsoft.com/office/powerpoint/2010/main" val="786679841"/>
+        <p14:creationId xmlns:p14="http://schemas.microsoft.com/office/powerpoint/2010/main" val="1924212692"/>
       </p:ext>
     </p:extLst>
   </p:cSld>
@@ -6545,36 +6552,6 @@
           </a:p>
         </p:txBody>
       </p:sp>
-      <p:sp>
-        <p:nvSpPr>
-          <p:cNvPr id="6" name="TextBox 5"/>
-          <p:cNvSpPr txBox="1"/>
-          <p:nvPr/>
-        </p:nvSpPr>
-        <p:spPr>
-          <a:xfrm>
-            <a:off x="8063531" y="1412776"/>
-            <a:ext cx="1579804" cy="369332"/>
-          </a:xfrm>
-          <a:prstGeom prst="rect">
-            <a:avLst/>
-          </a:prstGeom>
-          <a:noFill/>
-        </p:spPr>
-        <p:txBody>
-          <a:bodyPr wrap="square" rtlCol="0">
-            <a:spAutoFit/>
-          </a:bodyPr>
-          <a:lstStyle/>
-          <a:p>
-            <a:r>
-              <a:rPr lang="en-US" altLang="ko-KR" dirty="0" smtClean="0"/>
-              <a:t>style.css</a:t>
-            </a:r>
-            <a:endParaRPr lang="ko-KR" altLang="en-US" dirty="0"/>
-          </a:p>
-        </p:txBody>
-      </p:sp>
       <p:pic>
         <p:nvPicPr>
           <p:cNvPr id="5" name="그림 4"/>
@@ -6597,8 +6574,8 @@
         </p:blipFill>
         <p:spPr>
           <a:xfrm>
-            <a:off x="1094432" y="1246448"/>
-            <a:ext cx="6969099" cy="5184577"/>
+            <a:off x="704528" y="1196752"/>
+            <a:ext cx="8535636" cy="5112568"/>
           </a:xfrm>
           <a:prstGeom prst="rect">
             <a:avLst/>
@@ -6612,10 +6589,40 @@
           </a:ln>
         </p:spPr>
       </p:pic>
+      <p:sp>
+        <p:nvSpPr>
+          <p:cNvPr id="6" name="TextBox 5"/>
+          <p:cNvSpPr txBox="1"/>
+          <p:nvPr/>
+        </p:nvSpPr>
+        <p:spPr>
+          <a:xfrm>
+            <a:off x="8063531" y="1412776"/>
+            <a:ext cx="1579804" cy="369332"/>
+          </a:xfrm>
+          <a:prstGeom prst="rect">
+            <a:avLst/>
+          </a:prstGeom>
+          <a:noFill/>
+        </p:spPr>
+        <p:txBody>
+          <a:bodyPr wrap="square" rtlCol="0">
+            <a:spAutoFit/>
+          </a:bodyPr>
+          <a:lstStyle/>
+          <a:p>
+            <a:r>
+              <a:rPr lang="en-US" altLang="ko-KR" dirty="0" smtClean="0"/>
+              <a:t>style.css</a:t>
+            </a:r>
+            <a:endParaRPr lang="ko-KR" altLang="en-US" dirty="0"/>
+          </a:p>
+        </p:txBody>
+      </p:sp>
     </p:spTree>
     <p:extLst>
       <p:ext uri="{BB962C8B-B14F-4D97-AF65-F5344CB8AC3E}">
-        <p14:creationId xmlns:p14="http://schemas.microsoft.com/office/powerpoint/2010/main" val="4229675028"/>
+        <p14:creationId xmlns:p14="http://schemas.microsoft.com/office/powerpoint/2010/main" val="786679841"/>
       </p:ext>
     </p:extLst>
   </p:cSld>
@@ -6721,21 +6728,55 @@
         </p:blipFill>
         <p:spPr>
           <a:xfrm>
-            <a:off x="1568624" y="1268760"/>
-            <a:ext cx="6195597" cy="4976291"/>
+            <a:off x="920552" y="1192070"/>
+            <a:ext cx="7873941" cy="5405281"/>
           </a:xfrm>
           <a:prstGeom prst="rect">
             <a:avLst/>
           </a:prstGeom>
           <a:ln>
-            <a:noFill/>
+            <a:solidFill>
+              <a:schemeClr val="bg1">
+                <a:lumMod val="85000"/>
+              </a:schemeClr>
+            </a:solidFill>
           </a:ln>
         </p:spPr>
       </p:pic>
+      <p:sp>
+        <p:nvSpPr>
+          <p:cNvPr id="6" name="TextBox 5"/>
+          <p:cNvSpPr txBox="1"/>
+          <p:nvPr/>
+        </p:nvSpPr>
+        <p:spPr>
+          <a:xfrm>
+            <a:off x="8063531" y="1412776"/>
+            <a:ext cx="1579804" cy="369332"/>
+          </a:xfrm>
+          <a:prstGeom prst="rect">
+            <a:avLst/>
+          </a:prstGeom>
+          <a:noFill/>
+        </p:spPr>
+        <p:txBody>
+          <a:bodyPr wrap="square" rtlCol="0">
+            <a:spAutoFit/>
+          </a:bodyPr>
+          <a:lstStyle/>
+          <a:p>
+            <a:r>
+              <a:rPr lang="en-US" altLang="ko-KR" dirty="0" smtClean="0"/>
+              <a:t>style.css</a:t>
+            </a:r>
+            <a:endParaRPr lang="ko-KR" altLang="en-US" dirty="0"/>
+          </a:p>
+        </p:txBody>
+      </p:sp>
     </p:spTree>
     <p:extLst>
       <p:ext uri="{BB962C8B-B14F-4D97-AF65-F5344CB8AC3E}">
-        <p14:creationId xmlns:p14="http://schemas.microsoft.com/office/powerpoint/2010/main" val="3509508772"/>
+        <p14:creationId xmlns:p14="http://schemas.microsoft.com/office/powerpoint/2010/main" val="4229675028"/>
       </p:ext>
     </p:extLst>
   </p:cSld>
@@ -6821,7 +6862,7 @@
       </p:sp>
       <p:pic>
         <p:nvPicPr>
-          <p:cNvPr id="5" name="그림 4"/>
+          <p:cNvPr id="3" name="그림 2"/>
           <p:cNvPicPr>
             <a:picLocks noChangeAspect="1"/>
           </p:cNvPicPr>
@@ -6841,59 +6882,21 @@
         </p:blipFill>
         <p:spPr>
           <a:xfrm>
-            <a:off x="776536" y="1412776"/>
-            <a:ext cx="8154909" cy="4930724"/>
+            <a:off x="1568624" y="1268760"/>
+            <a:ext cx="6195597" cy="4976291"/>
           </a:xfrm>
           <a:prstGeom prst="rect">
             <a:avLst/>
           </a:prstGeom>
           <a:ln>
-            <a:solidFill>
-              <a:schemeClr val="bg1">
-                <a:lumMod val="85000"/>
-              </a:schemeClr>
-            </a:solidFill>
+            <a:noFill/>
           </a:ln>
         </p:spPr>
       </p:pic>
-      <p:sp>
-        <p:nvSpPr>
-          <p:cNvPr id="6" name="TextBox 5"/>
-          <p:cNvSpPr txBox="1"/>
-          <p:nvPr/>
-        </p:nvSpPr>
-        <p:spPr>
-          <a:xfrm>
-            <a:off x="8049344" y="2060848"/>
-            <a:ext cx="1512168" cy="369332"/>
-          </a:xfrm>
-          <a:prstGeom prst="rect">
-            <a:avLst/>
-          </a:prstGeom>
-          <a:noFill/>
-        </p:spPr>
-        <p:txBody>
-          <a:bodyPr wrap="square" rtlCol="0">
-            <a:spAutoFit/>
-          </a:bodyPr>
-          <a:lstStyle/>
-          <a:p>
-            <a:r>
-              <a:rPr lang="en-US" altLang="ko-KR" dirty="0"/>
-              <a:t>w</a:t>
-            </a:r>
-            <a:r>
-              <a:rPr lang="en-US" altLang="ko-KR" dirty="0" smtClean="0"/>
-              <a:t>riting.html</a:t>
-            </a:r>
-            <a:endParaRPr lang="ko-KR" altLang="en-US" dirty="0"/>
-          </a:p>
-        </p:txBody>
-      </p:sp>
     </p:spTree>
     <p:extLst>
       <p:ext uri="{BB962C8B-B14F-4D97-AF65-F5344CB8AC3E}">
-        <p14:creationId xmlns:p14="http://schemas.microsoft.com/office/powerpoint/2010/main" val="260508203"/>
+        <p14:creationId xmlns:p14="http://schemas.microsoft.com/office/powerpoint/2010/main" val="3509508772"/>
       </p:ext>
     </p:extLst>
   </p:cSld>
@@ -6979,7 +6982,7 @@
       </p:sp>
       <p:pic>
         <p:nvPicPr>
-          <p:cNvPr id="3" name="그림 2"/>
+          <p:cNvPr id="5" name="그림 4"/>
           <p:cNvPicPr>
             <a:picLocks noChangeAspect="1"/>
           </p:cNvPicPr>
@@ -6999,21 +7002,59 @@
         </p:blipFill>
         <p:spPr>
           <a:xfrm>
-            <a:off x="1467689" y="1196752"/>
-            <a:ext cx="5328592" cy="5369899"/>
+            <a:off x="776536" y="1412776"/>
+            <a:ext cx="8154909" cy="4930724"/>
           </a:xfrm>
           <a:prstGeom prst="rect">
             <a:avLst/>
           </a:prstGeom>
           <a:ln>
-            <a:noFill/>
+            <a:solidFill>
+              <a:schemeClr val="bg1">
+                <a:lumMod val="85000"/>
+              </a:schemeClr>
+            </a:solidFill>
           </a:ln>
         </p:spPr>
       </p:pic>
+      <p:sp>
+        <p:nvSpPr>
+          <p:cNvPr id="6" name="TextBox 5"/>
+          <p:cNvSpPr txBox="1"/>
+          <p:nvPr/>
+        </p:nvSpPr>
+        <p:spPr>
+          <a:xfrm>
+            <a:off x="8049344" y="2060848"/>
+            <a:ext cx="1512168" cy="369332"/>
+          </a:xfrm>
+          <a:prstGeom prst="rect">
+            <a:avLst/>
+          </a:prstGeom>
+          <a:noFill/>
+        </p:spPr>
+        <p:txBody>
+          <a:bodyPr wrap="square" rtlCol="0">
+            <a:spAutoFit/>
+          </a:bodyPr>
+          <a:lstStyle/>
+          <a:p>
+            <a:r>
+              <a:rPr lang="en-US" altLang="ko-KR" dirty="0"/>
+              <a:t>w</a:t>
+            </a:r>
+            <a:r>
+              <a:rPr lang="en-US" altLang="ko-KR" dirty="0" smtClean="0"/>
+              <a:t>riting.html</a:t>
+            </a:r>
+            <a:endParaRPr lang="ko-KR" altLang="en-US" dirty="0"/>
+          </a:p>
+        </p:txBody>
+      </p:sp>
     </p:spTree>
     <p:extLst>
       <p:ext uri="{BB962C8B-B14F-4D97-AF65-F5344CB8AC3E}">
-        <p14:creationId xmlns:p14="http://schemas.microsoft.com/office/powerpoint/2010/main" val="3466830227"/>
+        <p14:creationId xmlns:p14="http://schemas.microsoft.com/office/powerpoint/2010/main" val="260508203"/>
       </p:ext>
     </p:extLst>
   </p:cSld>
@@ -7099,7 +7140,7 @@
       </p:sp>
       <p:pic>
         <p:nvPicPr>
-          <p:cNvPr id="5" name="그림 4"/>
+          <p:cNvPr id="3" name="그림 2"/>
           <p:cNvPicPr>
             <a:picLocks noChangeAspect="1"/>
           </p:cNvPicPr>
@@ -7119,55 +7160,21 @@
         </p:blipFill>
         <p:spPr>
           <a:xfrm>
-            <a:off x="704528" y="1340768"/>
-            <a:ext cx="8523363" cy="4896544"/>
+            <a:off x="1467689" y="1196752"/>
+            <a:ext cx="5328592" cy="5369899"/>
           </a:xfrm>
           <a:prstGeom prst="rect">
             <a:avLst/>
           </a:prstGeom>
           <a:ln>
-            <a:solidFill>
-              <a:schemeClr val="bg1">
-                <a:lumMod val="85000"/>
-              </a:schemeClr>
-            </a:solidFill>
+            <a:noFill/>
           </a:ln>
         </p:spPr>
       </p:pic>
-      <p:sp>
-        <p:nvSpPr>
-          <p:cNvPr id="6" name="TextBox 5"/>
-          <p:cNvSpPr txBox="1"/>
-          <p:nvPr/>
-        </p:nvSpPr>
-        <p:spPr>
-          <a:xfrm>
-            <a:off x="8097349" y="1772816"/>
-            <a:ext cx="1512168" cy="369332"/>
-          </a:xfrm>
-          <a:prstGeom prst="rect">
-            <a:avLst/>
-          </a:prstGeom>
-          <a:noFill/>
-        </p:spPr>
-        <p:txBody>
-          <a:bodyPr wrap="square" rtlCol="0">
-            <a:spAutoFit/>
-          </a:bodyPr>
-          <a:lstStyle/>
-          <a:p>
-            <a:r>
-              <a:rPr lang="en-US" altLang="ko-KR" dirty="0" smtClean="0"/>
-              <a:t>detail.html</a:t>
-            </a:r>
-            <a:endParaRPr lang="ko-KR" altLang="en-US" dirty="0"/>
-          </a:p>
-        </p:txBody>
-      </p:sp>
     </p:spTree>
     <p:extLst>
       <p:ext uri="{BB962C8B-B14F-4D97-AF65-F5344CB8AC3E}">
-        <p14:creationId xmlns:p14="http://schemas.microsoft.com/office/powerpoint/2010/main" val="1051912445"/>
+        <p14:creationId xmlns:p14="http://schemas.microsoft.com/office/powerpoint/2010/main" val="3466830227"/>
       </p:ext>
     </p:extLst>
   </p:cSld>
@@ -7253,7 +7260,7 @@
       </p:sp>
       <p:pic>
         <p:nvPicPr>
-          <p:cNvPr id="3" name="그림 2"/>
+          <p:cNvPr id="5" name="그림 4"/>
           <p:cNvPicPr>
             <a:picLocks noChangeAspect="1"/>
           </p:cNvPicPr>
@@ -7273,8 +7280,8 @@
         </p:blipFill>
         <p:spPr>
           <a:xfrm>
-            <a:off x="488504" y="1772816"/>
-            <a:ext cx="9129464" cy="2747039"/>
+            <a:off x="704528" y="1340768"/>
+            <a:ext cx="8523363" cy="4896544"/>
           </a:xfrm>
           <a:prstGeom prst="rect">
             <a:avLst/>
@@ -7288,10 +7295,40 @@
           </a:ln>
         </p:spPr>
       </p:pic>
+      <p:sp>
+        <p:nvSpPr>
+          <p:cNvPr id="6" name="TextBox 5"/>
+          <p:cNvSpPr txBox="1"/>
+          <p:nvPr/>
+        </p:nvSpPr>
+        <p:spPr>
+          <a:xfrm>
+            <a:off x="8097349" y="1772816"/>
+            <a:ext cx="1512168" cy="369332"/>
+          </a:xfrm>
+          <a:prstGeom prst="rect">
+            <a:avLst/>
+          </a:prstGeom>
+          <a:noFill/>
+        </p:spPr>
+        <p:txBody>
+          <a:bodyPr wrap="square" rtlCol="0">
+            <a:spAutoFit/>
+          </a:bodyPr>
+          <a:lstStyle/>
+          <a:p>
+            <a:r>
+              <a:rPr lang="en-US" altLang="ko-KR" dirty="0" smtClean="0"/>
+              <a:t>detail.html</a:t>
+            </a:r>
+            <a:endParaRPr lang="ko-KR" altLang="en-US" dirty="0"/>
+          </a:p>
+        </p:txBody>
+      </p:sp>
     </p:spTree>
     <p:extLst>
       <p:ext uri="{BB962C8B-B14F-4D97-AF65-F5344CB8AC3E}">
-        <p14:creationId xmlns:p14="http://schemas.microsoft.com/office/powerpoint/2010/main" val="2514369946"/>
+        <p14:creationId xmlns:p14="http://schemas.microsoft.com/office/powerpoint/2010/main" val="1051912445"/>
       </p:ext>
     </p:extLst>
   </p:cSld>
@@ -7501,7 +7538,7 @@
       </p:sp>
       <p:pic>
         <p:nvPicPr>
-          <p:cNvPr id="5" name="그림 4"/>
+          <p:cNvPr id="3" name="그림 2"/>
           <p:cNvPicPr>
             <a:picLocks noChangeAspect="1"/>
           </p:cNvPicPr>
@@ -7521,8 +7558,8 @@
         </p:blipFill>
         <p:spPr>
           <a:xfrm>
-            <a:off x="560512" y="1484784"/>
-            <a:ext cx="4365014" cy="4752528"/>
+            <a:off x="488504" y="1772816"/>
+            <a:ext cx="9129464" cy="2747039"/>
           </a:xfrm>
           <a:prstGeom prst="rect">
             <a:avLst/>
@@ -7536,47 +7573,10 @@
           </a:ln>
         </p:spPr>
       </p:pic>
-      <p:pic>
-        <p:nvPicPr>
-          <p:cNvPr id="3" name="그림 2"/>
-          <p:cNvPicPr>
-            <a:picLocks noChangeAspect="1"/>
-          </p:cNvPicPr>
-          <p:nvPr/>
-        </p:nvPicPr>
-        <p:blipFill>
-          <a:blip r:embed="rId3">
-            <a:extLst>
-              <a:ext uri="{28A0092B-C50C-407E-A947-70E740481C1C}">
-                <a14:useLocalDpi xmlns:a14="http://schemas.microsoft.com/office/drawing/2010/main" val="0"/>
-              </a:ext>
-            </a:extLst>
-          </a:blip>
-          <a:stretch>
-            <a:fillRect/>
-          </a:stretch>
-        </p:blipFill>
-        <p:spPr>
-          <a:xfrm>
-            <a:off x="5385048" y="1844824"/>
-            <a:ext cx="4182020" cy="3331637"/>
-          </a:xfrm>
-          <a:prstGeom prst="rect">
-            <a:avLst/>
-          </a:prstGeom>
-          <a:ln>
-            <a:solidFill>
-              <a:schemeClr val="bg1">
-                <a:lumMod val="85000"/>
-              </a:schemeClr>
-            </a:solidFill>
-          </a:ln>
-        </p:spPr>
-      </p:pic>
     </p:spTree>
     <p:extLst>
       <p:ext uri="{BB962C8B-B14F-4D97-AF65-F5344CB8AC3E}">
-        <p14:creationId xmlns:p14="http://schemas.microsoft.com/office/powerpoint/2010/main" val="2963874956"/>
+        <p14:creationId xmlns:p14="http://schemas.microsoft.com/office/powerpoint/2010/main" val="2514369946"/>
       </p:ext>
     </p:extLst>
   </p:cSld>
@@ -7662,7 +7662,7 @@
       </p:sp>
       <p:pic>
         <p:nvPicPr>
-          <p:cNvPr id="3" name="그림 2"/>
+          <p:cNvPr id="5" name="그림 4"/>
           <p:cNvPicPr>
             <a:picLocks noChangeAspect="1"/>
           </p:cNvPicPr>
@@ -7682,8 +7682,8 @@
         </p:blipFill>
         <p:spPr>
           <a:xfrm>
-            <a:off x="272480" y="1412776"/>
-            <a:ext cx="9320068" cy="4168501"/>
+            <a:off x="560512" y="1484784"/>
+            <a:ext cx="4365014" cy="4752528"/>
           </a:xfrm>
           <a:prstGeom prst="rect">
             <a:avLst/>
@@ -7697,40 +7697,47 @@
           </a:ln>
         </p:spPr>
       </p:pic>
-      <p:sp>
-        <p:nvSpPr>
-          <p:cNvPr id="6" name="TextBox 5"/>
-          <p:cNvSpPr txBox="1"/>
+      <p:pic>
+        <p:nvPicPr>
+          <p:cNvPr id="3" name="그림 2"/>
+          <p:cNvPicPr>
+            <a:picLocks noChangeAspect="1"/>
+          </p:cNvPicPr>
           <p:nvPr/>
-        </p:nvSpPr>
-        <p:spPr>
-          <a:xfrm>
-            <a:off x="6609184" y="1556792"/>
-            <a:ext cx="1512168" cy="369332"/>
+        </p:nvPicPr>
+        <p:blipFill>
+          <a:blip r:embed="rId3">
+            <a:extLst>
+              <a:ext uri="{28A0092B-C50C-407E-A947-70E740481C1C}">
+                <a14:useLocalDpi xmlns:a14="http://schemas.microsoft.com/office/drawing/2010/main" val="0"/>
+              </a:ext>
+            </a:extLst>
+          </a:blip>
+          <a:stretch>
+            <a:fillRect/>
+          </a:stretch>
+        </p:blipFill>
+        <p:spPr>
+          <a:xfrm>
+            <a:off x="5385048" y="1844824"/>
+            <a:ext cx="4182020" cy="3331637"/>
           </a:xfrm>
           <a:prstGeom prst="rect">
             <a:avLst/>
           </a:prstGeom>
-          <a:noFill/>
-        </p:spPr>
-        <p:txBody>
-          <a:bodyPr wrap="square" rtlCol="0">
-            <a:spAutoFit/>
-          </a:bodyPr>
-          <a:lstStyle/>
-          <a:p>
-            <a:r>
-              <a:rPr lang="en-US" altLang="ko-KR" dirty="0" smtClean="0"/>
-              <a:t>update.html</a:t>
-            </a:r>
-            <a:endParaRPr lang="ko-KR" altLang="en-US" dirty="0"/>
-          </a:p>
-        </p:txBody>
-      </p:sp>
+          <a:ln>
+            <a:solidFill>
+              <a:schemeClr val="bg1">
+                <a:lumMod val="85000"/>
+              </a:schemeClr>
+            </a:solidFill>
+          </a:ln>
+        </p:spPr>
+      </p:pic>
     </p:spTree>
     <p:extLst>
       <p:ext uri="{BB962C8B-B14F-4D97-AF65-F5344CB8AC3E}">
-        <p14:creationId xmlns:p14="http://schemas.microsoft.com/office/powerpoint/2010/main" val="4090256144"/>
+        <p14:creationId xmlns:p14="http://schemas.microsoft.com/office/powerpoint/2010/main" val="2963874956"/>
       </p:ext>
     </p:extLst>
   </p:cSld>
@@ -7816,7 +7823,7 @@
       </p:sp>
       <p:pic>
         <p:nvPicPr>
-          <p:cNvPr id="5" name="그림 4"/>
+          <p:cNvPr id="3" name="그림 2"/>
           <p:cNvPicPr>
             <a:picLocks noChangeAspect="1"/>
           </p:cNvPicPr>
@@ -7836,8 +7843,8 @@
         </p:blipFill>
         <p:spPr>
           <a:xfrm>
-            <a:off x="1058842" y="2064902"/>
-            <a:ext cx="7788315" cy="2728196"/>
+            <a:off x="272480" y="1412776"/>
+            <a:ext cx="9320068" cy="4168501"/>
           </a:xfrm>
           <a:prstGeom prst="rect">
             <a:avLst/>
@@ -7851,10 +7858,40 @@
           </a:ln>
         </p:spPr>
       </p:pic>
+      <p:sp>
+        <p:nvSpPr>
+          <p:cNvPr id="6" name="TextBox 5"/>
+          <p:cNvSpPr txBox="1"/>
+          <p:nvPr/>
+        </p:nvSpPr>
+        <p:spPr>
+          <a:xfrm>
+            <a:off x="6609184" y="1556792"/>
+            <a:ext cx="1512168" cy="369332"/>
+          </a:xfrm>
+          <a:prstGeom prst="rect">
+            <a:avLst/>
+          </a:prstGeom>
+          <a:noFill/>
+        </p:spPr>
+        <p:txBody>
+          <a:bodyPr wrap="square" rtlCol="0">
+            <a:spAutoFit/>
+          </a:bodyPr>
+          <a:lstStyle/>
+          <a:p>
+            <a:r>
+              <a:rPr lang="en-US" altLang="ko-KR" dirty="0" smtClean="0"/>
+              <a:t>update.html</a:t>
+            </a:r>
+            <a:endParaRPr lang="ko-KR" altLang="en-US" dirty="0"/>
+          </a:p>
+        </p:txBody>
+      </p:sp>
     </p:spTree>
     <p:extLst>
       <p:ext uri="{BB962C8B-B14F-4D97-AF65-F5344CB8AC3E}">
-        <p14:creationId xmlns:p14="http://schemas.microsoft.com/office/powerpoint/2010/main" val="151130098"/>
+        <p14:creationId xmlns:p14="http://schemas.microsoft.com/office/powerpoint/2010/main" val="4090256144"/>
       </p:ext>
     </p:extLst>
   </p:cSld>
@@ -7938,43 +7975,9 @@
           </a:p>
         </p:txBody>
       </p:sp>
-      <p:sp>
-        <p:nvSpPr>
-          <p:cNvPr id="6" name="TextBox 5"/>
-          <p:cNvSpPr txBox="1"/>
-          <p:nvPr/>
-        </p:nvSpPr>
-        <p:spPr>
-          <a:xfrm>
-            <a:off x="1136576" y="1412776"/>
-            <a:ext cx="1845377" cy="400110"/>
-          </a:xfrm>
-          <a:prstGeom prst="rect">
-            <a:avLst/>
-          </a:prstGeom>
-          <a:noFill/>
-        </p:spPr>
-        <p:txBody>
-          <a:bodyPr wrap="none" rtlCol="0">
-            <a:spAutoFit/>
-          </a:bodyPr>
-          <a:lstStyle/>
-          <a:p>
-            <a:pPr marL="285750" indent="-285750">
-              <a:buFont typeface="Wingdings" panose="05000000000000000000" pitchFamily="2" charset="2"/>
-              <a:buChar char="l"/>
-            </a:pPr>
-            <a:r>
-              <a:rPr lang="ko-KR" altLang="en-US" sz="2000" dirty="0" smtClean="0"/>
-              <a:t>조회수 증가</a:t>
-            </a:r>
-            <a:endParaRPr lang="ko-KR" altLang="en-US" sz="2000" dirty="0"/>
-          </a:p>
-        </p:txBody>
-      </p:sp>
       <p:pic>
         <p:nvPicPr>
-          <p:cNvPr id="7" name="그림 6"/>
+          <p:cNvPr id="5" name="그림 4"/>
           <p:cNvPicPr>
             <a:picLocks noChangeAspect="1"/>
           </p:cNvPicPr>
@@ -7994,58 +7997,25 @@
         </p:blipFill>
         <p:spPr>
           <a:xfrm>
-            <a:off x="1136576" y="2132856"/>
-            <a:ext cx="6713802" cy="3513124"/>
+            <a:off x="1058842" y="2064902"/>
+            <a:ext cx="7788315" cy="2728196"/>
           </a:xfrm>
           <a:prstGeom prst="rect">
             <a:avLst/>
           </a:prstGeom>
+          <a:ln>
+            <a:solidFill>
+              <a:schemeClr val="bg1">
+                <a:lumMod val="85000"/>
+              </a:schemeClr>
+            </a:solidFill>
+          </a:ln>
         </p:spPr>
       </p:pic>
-      <p:sp>
-        <p:nvSpPr>
-          <p:cNvPr id="8" name="모서리가 둥근 직사각형 7"/>
-          <p:cNvSpPr/>
-          <p:nvPr/>
-        </p:nvSpPr>
-        <p:spPr>
-          <a:xfrm>
-            <a:off x="5601072" y="2708920"/>
-            <a:ext cx="864096" cy="2304256"/>
-          </a:xfrm>
-          <a:prstGeom prst="roundRect">
-            <a:avLst/>
-          </a:prstGeom>
-          <a:noFill/>
-          <a:ln/>
-        </p:spPr>
-        <p:style>
-          <a:lnRef idx="2">
-            <a:schemeClr val="accent2"/>
-          </a:lnRef>
-          <a:fillRef idx="1">
-            <a:schemeClr val="lt1"/>
-          </a:fillRef>
-          <a:effectRef idx="0">
-            <a:schemeClr val="accent2"/>
-          </a:effectRef>
-          <a:fontRef idx="minor">
-            <a:schemeClr val="dk1"/>
-          </a:fontRef>
-        </p:style>
-        <p:txBody>
-          <a:bodyPr rtlCol="0" anchor="ctr"/>
-          <a:lstStyle/>
-          <a:p>
-            <a:pPr algn="ctr"/>
-            <a:endParaRPr lang="ko-KR" altLang="en-US"/>
-          </a:p>
-        </p:txBody>
-      </p:sp>
     </p:spTree>
     <p:extLst>
       <p:ext uri="{BB962C8B-B14F-4D97-AF65-F5344CB8AC3E}">
-        <p14:creationId xmlns:p14="http://schemas.microsoft.com/office/powerpoint/2010/main" val="4202228041"/>
+        <p14:creationId xmlns:p14="http://schemas.microsoft.com/office/powerpoint/2010/main" val="151130098"/>
       </p:ext>
     </p:extLst>
   </p:cSld>
@@ -8165,6 +8135,197 @@
       </p:sp>
       <p:pic>
         <p:nvPicPr>
+          <p:cNvPr id="7" name="그림 6"/>
+          <p:cNvPicPr>
+            <a:picLocks noChangeAspect="1"/>
+          </p:cNvPicPr>
+          <p:nvPr/>
+        </p:nvPicPr>
+        <p:blipFill>
+          <a:blip r:embed="rId2">
+            <a:extLst>
+              <a:ext uri="{28A0092B-C50C-407E-A947-70E740481C1C}">
+                <a14:useLocalDpi xmlns:a14="http://schemas.microsoft.com/office/drawing/2010/main" val="0"/>
+              </a:ext>
+            </a:extLst>
+          </a:blip>
+          <a:stretch>
+            <a:fillRect/>
+          </a:stretch>
+        </p:blipFill>
+        <p:spPr>
+          <a:xfrm>
+            <a:off x="1136576" y="2132856"/>
+            <a:ext cx="6713802" cy="3513124"/>
+          </a:xfrm>
+          <a:prstGeom prst="rect">
+            <a:avLst/>
+          </a:prstGeom>
+        </p:spPr>
+      </p:pic>
+      <p:sp>
+        <p:nvSpPr>
+          <p:cNvPr id="8" name="모서리가 둥근 직사각형 7"/>
+          <p:cNvSpPr/>
+          <p:nvPr/>
+        </p:nvSpPr>
+        <p:spPr>
+          <a:xfrm>
+            <a:off x="5601072" y="2708920"/>
+            <a:ext cx="864096" cy="2304256"/>
+          </a:xfrm>
+          <a:prstGeom prst="roundRect">
+            <a:avLst/>
+          </a:prstGeom>
+          <a:noFill/>
+          <a:ln/>
+        </p:spPr>
+        <p:style>
+          <a:lnRef idx="2">
+            <a:schemeClr val="accent2"/>
+          </a:lnRef>
+          <a:fillRef idx="1">
+            <a:schemeClr val="lt1"/>
+          </a:fillRef>
+          <a:effectRef idx="0">
+            <a:schemeClr val="accent2"/>
+          </a:effectRef>
+          <a:fontRef idx="minor">
+            <a:schemeClr val="dk1"/>
+          </a:fontRef>
+        </p:style>
+        <p:txBody>
+          <a:bodyPr rtlCol="0" anchor="ctr"/>
+          <a:lstStyle/>
+          <a:p>
+            <a:pPr algn="ctr"/>
+            <a:endParaRPr lang="ko-KR" altLang="en-US"/>
+          </a:p>
+        </p:txBody>
+      </p:sp>
+    </p:spTree>
+    <p:extLst>
+      <p:ext uri="{BB962C8B-B14F-4D97-AF65-F5344CB8AC3E}">
+        <p14:creationId xmlns:p14="http://schemas.microsoft.com/office/powerpoint/2010/main" val="4202228041"/>
+      </p:ext>
+    </p:extLst>
+  </p:cSld>
+  <p:clrMapOvr>
+    <a:masterClrMapping/>
+  </p:clrMapOvr>
+  <p:timing>
+    <p:tnLst>
+      <p:par>
+        <p:cTn id="1" dur="indefinite" restart="never" nodeType="tmRoot"/>
+      </p:par>
+    </p:tnLst>
+  </p:timing>
+</p:sld>
+</file>
+
+<file path=ppt/slides/slide35.xml><?xml version="1.0" encoding="utf-8"?>
+<p:sld xmlns:a="http://schemas.openxmlformats.org/drawingml/2006/main" xmlns:r="http://schemas.openxmlformats.org/officeDocument/2006/relationships" xmlns:p="http://schemas.openxmlformats.org/presentationml/2006/main">
+  <p:cSld>
+    <p:spTree>
+      <p:nvGrpSpPr>
+        <p:cNvPr id="1" name=""/>
+        <p:cNvGrpSpPr/>
+        <p:nvPr/>
+      </p:nvGrpSpPr>
+      <p:grpSpPr>
+        <a:xfrm>
+          <a:off x="0" y="0"/>
+          <a:ext cx="0" cy="0"/>
+          <a:chOff x="0" y="0"/>
+          <a:chExt cx="0" cy="0"/>
+        </a:xfrm>
+      </p:grpSpPr>
+      <p:sp>
+        <p:nvSpPr>
+          <p:cNvPr id="2" name="제목 1"/>
+          <p:cNvSpPr>
+            <a:spLocks noGrp="1"/>
+          </p:cNvSpPr>
+          <p:nvPr>
+            <p:ph type="title"/>
+          </p:nvPr>
+        </p:nvSpPr>
+        <p:spPr/>
+        <p:txBody>
+          <a:bodyPr/>
+          <a:lstStyle/>
+          <a:p>
+            <a:r>
+              <a:rPr lang="en-US" altLang="ko-KR" dirty="0"/>
+              <a:t> </a:t>
+            </a:r>
+            <a:r>
+              <a:rPr lang="ko-KR" altLang="en-US" dirty="0" smtClean="0"/>
+              <a:t>회원 커뮤니티 사이트</a:t>
+            </a:r>
+            <a:endParaRPr lang="ko-KR" altLang="en-US" dirty="0"/>
+          </a:p>
+        </p:txBody>
+      </p:sp>
+      <p:sp>
+        <p:nvSpPr>
+          <p:cNvPr id="4" name="슬라이드 번호 개체 틀 3"/>
+          <p:cNvSpPr>
+            <a:spLocks noGrp="1"/>
+          </p:cNvSpPr>
+          <p:nvPr>
+            <p:ph type="sldNum" sz="quarter" idx="12"/>
+          </p:nvPr>
+        </p:nvSpPr>
+        <p:spPr/>
+        <p:txBody>
+          <a:bodyPr/>
+          <a:lstStyle/>
+          <a:p>
+            <a:fld id="{1BDE3FE7-3AEA-4B05-AC5A-802D1816ACF0}" type="slidenum">
+              <a:rPr lang="ko-KR" altLang="en-US" smtClean="0"/>
+              <a:t>35</a:t>
+            </a:fld>
+            <a:endParaRPr lang="ko-KR" altLang="en-US"/>
+          </a:p>
+        </p:txBody>
+      </p:sp>
+      <p:sp>
+        <p:nvSpPr>
+          <p:cNvPr id="6" name="TextBox 5"/>
+          <p:cNvSpPr txBox="1"/>
+          <p:nvPr/>
+        </p:nvSpPr>
+        <p:spPr>
+          <a:xfrm>
+            <a:off x="1136576" y="1412776"/>
+            <a:ext cx="1845377" cy="400110"/>
+          </a:xfrm>
+          <a:prstGeom prst="rect">
+            <a:avLst/>
+          </a:prstGeom>
+          <a:noFill/>
+        </p:spPr>
+        <p:txBody>
+          <a:bodyPr wrap="none" rtlCol="0">
+            <a:spAutoFit/>
+          </a:bodyPr>
+          <a:lstStyle/>
+          <a:p>
+            <a:pPr marL="285750" indent="-285750">
+              <a:buFont typeface="Wingdings" panose="05000000000000000000" pitchFamily="2" charset="2"/>
+              <a:buChar char="l"/>
+            </a:pPr>
+            <a:r>
+              <a:rPr lang="ko-KR" altLang="en-US" sz="2000" dirty="0" smtClean="0"/>
+              <a:t>조회수 증가</a:t>
+            </a:r>
+            <a:endParaRPr lang="ko-KR" altLang="en-US" sz="2000" dirty="0"/>
+          </a:p>
+        </p:txBody>
+      </p:sp>
+      <p:pic>
+        <p:nvPicPr>
           <p:cNvPr id="3" name="그림 2"/>
           <p:cNvPicPr>
             <a:picLocks noChangeAspect="1"/>
@@ -8204,6 +8365,836 @@
     <p:extLst>
       <p:ext uri="{BB962C8B-B14F-4D97-AF65-F5344CB8AC3E}">
         <p14:creationId xmlns:p14="http://schemas.microsoft.com/office/powerpoint/2010/main" val="2386156921"/>
+      </p:ext>
+    </p:extLst>
+  </p:cSld>
+  <p:clrMapOvr>
+    <a:masterClrMapping/>
+  </p:clrMapOvr>
+  <p:timing>
+    <p:tnLst>
+      <p:par>
+        <p:cTn id="1" dur="indefinite" restart="never" nodeType="tmRoot"/>
+      </p:par>
+    </p:tnLst>
+  </p:timing>
+</p:sld>
+</file>
+
+<file path=ppt/slides/slide36.xml><?xml version="1.0" encoding="utf-8"?>
+<p:sld xmlns:a="http://schemas.openxmlformats.org/drawingml/2006/main" xmlns:r="http://schemas.openxmlformats.org/officeDocument/2006/relationships" xmlns:p="http://schemas.openxmlformats.org/presentationml/2006/main">
+  <p:cSld>
+    <p:spTree>
+      <p:nvGrpSpPr>
+        <p:cNvPr id="1" name=""/>
+        <p:cNvGrpSpPr/>
+        <p:nvPr/>
+      </p:nvGrpSpPr>
+      <p:grpSpPr>
+        <a:xfrm>
+          <a:off x="0" y="0"/>
+          <a:ext cx="0" cy="0"/>
+          <a:chOff x="0" y="0"/>
+          <a:chExt cx="0" cy="0"/>
+        </a:xfrm>
+      </p:grpSpPr>
+      <p:sp>
+        <p:nvSpPr>
+          <p:cNvPr id="2" name="제목 1"/>
+          <p:cNvSpPr>
+            <a:spLocks noGrp="1"/>
+          </p:cNvSpPr>
+          <p:nvPr>
+            <p:ph type="title"/>
+          </p:nvPr>
+        </p:nvSpPr>
+        <p:spPr/>
+        <p:txBody>
+          <a:bodyPr/>
+          <a:lstStyle/>
+          <a:p>
+            <a:r>
+              <a:rPr lang="en-US" altLang="ko-KR" dirty="0"/>
+              <a:t> </a:t>
+            </a:r>
+            <a:r>
+              <a:rPr lang="ko-KR" altLang="en-US" dirty="0" smtClean="0"/>
+              <a:t>회원 커뮤니티 사이트</a:t>
+            </a:r>
+            <a:endParaRPr lang="ko-KR" altLang="en-US" dirty="0"/>
+          </a:p>
+        </p:txBody>
+      </p:sp>
+      <p:sp>
+        <p:nvSpPr>
+          <p:cNvPr id="4" name="슬라이드 번호 개체 틀 3"/>
+          <p:cNvSpPr>
+            <a:spLocks noGrp="1"/>
+          </p:cNvSpPr>
+          <p:nvPr>
+            <p:ph type="sldNum" sz="quarter" idx="12"/>
+          </p:nvPr>
+        </p:nvSpPr>
+        <p:spPr/>
+        <p:txBody>
+          <a:bodyPr/>
+          <a:lstStyle/>
+          <a:p>
+            <a:fld id="{1BDE3FE7-3AEA-4B05-AC5A-802D1816ACF0}" type="slidenum">
+              <a:rPr lang="ko-KR" altLang="en-US" smtClean="0"/>
+              <a:t>36</a:t>
+            </a:fld>
+            <a:endParaRPr lang="ko-KR" altLang="en-US"/>
+          </a:p>
+        </p:txBody>
+      </p:sp>
+      <p:sp>
+        <p:nvSpPr>
+          <p:cNvPr id="6" name="TextBox 5"/>
+          <p:cNvSpPr txBox="1"/>
+          <p:nvPr/>
+        </p:nvSpPr>
+        <p:spPr>
+          <a:xfrm>
+            <a:off x="1136576" y="1412776"/>
+            <a:ext cx="2704587" cy="400110"/>
+          </a:xfrm>
+          <a:prstGeom prst="rect">
+            <a:avLst/>
+          </a:prstGeom>
+          <a:noFill/>
+        </p:spPr>
+        <p:txBody>
+          <a:bodyPr wrap="none" rtlCol="0">
+            <a:spAutoFit/>
+          </a:bodyPr>
+          <a:lstStyle/>
+          <a:p>
+            <a:pPr marL="285750" indent="-285750">
+              <a:buFont typeface="Wingdings" panose="05000000000000000000" pitchFamily="2" charset="2"/>
+              <a:buChar char="l"/>
+            </a:pPr>
+            <a:r>
+              <a:rPr lang="ko-KR" altLang="en-US" sz="2000" dirty="0" err="1" smtClean="0"/>
+              <a:t>게시글</a:t>
+            </a:r>
+            <a:r>
+              <a:rPr lang="ko-KR" altLang="en-US" sz="2000" dirty="0" smtClean="0"/>
+              <a:t> 수정일 구현</a:t>
+            </a:r>
+            <a:endParaRPr lang="ko-KR" altLang="en-US" sz="2000" dirty="0"/>
+          </a:p>
+        </p:txBody>
+      </p:sp>
+      <p:pic>
+        <p:nvPicPr>
+          <p:cNvPr id="5" name="그림 4"/>
+          <p:cNvPicPr>
+            <a:picLocks noChangeAspect="1"/>
+          </p:cNvPicPr>
+          <p:nvPr/>
+        </p:nvPicPr>
+        <p:blipFill rotWithShape="1">
+          <a:blip r:embed="rId2">
+            <a:extLst>
+              <a:ext uri="{28A0092B-C50C-407E-A947-70E740481C1C}">
+                <a14:useLocalDpi xmlns:a14="http://schemas.microsoft.com/office/drawing/2010/main" val="0"/>
+              </a:ext>
+            </a:extLst>
+          </a:blip>
+          <a:srcRect t="74897"/>
+          <a:stretch/>
+        </p:blipFill>
+        <p:spPr>
+          <a:xfrm>
+            <a:off x="1640632" y="2172926"/>
+            <a:ext cx="5509737" cy="1524665"/>
+          </a:xfrm>
+          <a:prstGeom prst="rect">
+            <a:avLst/>
+          </a:prstGeom>
+          <a:ln>
+            <a:solidFill>
+              <a:schemeClr val="bg1">
+                <a:lumMod val="85000"/>
+              </a:schemeClr>
+            </a:solidFill>
+          </a:ln>
+        </p:spPr>
+      </p:pic>
+      <p:pic>
+        <p:nvPicPr>
+          <p:cNvPr id="7" name="그림 6"/>
+          <p:cNvPicPr>
+            <a:picLocks noChangeAspect="1"/>
+          </p:cNvPicPr>
+          <p:nvPr/>
+        </p:nvPicPr>
+        <p:blipFill>
+          <a:blip r:embed="rId3">
+            <a:extLst>
+              <a:ext uri="{28A0092B-C50C-407E-A947-70E740481C1C}">
+                <a14:useLocalDpi xmlns:a14="http://schemas.microsoft.com/office/drawing/2010/main" val="0"/>
+              </a:ext>
+            </a:extLst>
+          </a:blip>
+          <a:stretch>
+            <a:fillRect/>
+          </a:stretch>
+        </p:blipFill>
+        <p:spPr>
+          <a:xfrm>
+            <a:off x="1177018" y="3933056"/>
+            <a:ext cx="7530815" cy="2140739"/>
+          </a:xfrm>
+          <a:prstGeom prst="rect">
+            <a:avLst/>
+          </a:prstGeom>
+          <a:ln>
+            <a:solidFill>
+              <a:schemeClr val="bg1">
+                <a:lumMod val="85000"/>
+              </a:schemeClr>
+            </a:solidFill>
+          </a:ln>
+        </p:spPr>
+      </p:pic>
+      <p:sp>
+        <p:nvSpPr>
+          <p:cNvPr id="8" name="TextBox 7"/>
+          <p:cNvSpPr txBox="1"/>
+          <p:nvPr/>
+        </p:nvSpPr>
+        <p:spPr>
+          <a:xfrm>
+            <a:off x="7545289" y="4149080"/>
+            <a:ext cx="1584176" cy="369332"/>
+          </a:xfrm>
+          <a:prstGeom prst="rect">
+            <a:avLst/>
+          </a:prstGeom>
+          <a:noFill/>
+        </p:spPr>
+        <p:txBody>
+          <a:bodyPr wrap="square" rtlCol="0">
+            <a:spAutoFit/>
+          </a:bodyPr>
+          <a:lstStyle/>
+          <a:p>
+            <a:r>
+              <a:rPr lang="en-US" altLang="ko-KR" dirty="0" smtClean="0"/>
+              <a:t>update.html</a:t>
+            </a:r>
+            <a:endParaRPr lang="ko-KR" altLang="en-US" dirty="0"/>
+          </a:p>
+        </p:txBody>
+      </p:sp>
+    </p:spTree>
+    <p:extLst>
+      <p:ext uri="{BB962C8B-B14F-4D97-AF65-F5344CB8AC3E}">
+        <p14:creationId xmlns:p14="http://schemas.microsoft.com/office/powerpoint/2010/main" val="2531869676"/>
+      </p:ext>
+    </p:extLst>
+  </p:cSld>
+  <p:clrMapOvr>
+    <a:masterClrMapping/>
+  </p:clrMapOvr>
+  <p:timing>
+    <p:tnLst>
+      <p:par>
+        <p:cTn id="1" dur="indefinite" restart="never" nodeType="tmRoot"/>
+      </p:par>
+    </p:tnLst>
+  </p:timing>
+</p:sld>
+</file>
+
+<file path=ppt/slides/slide37.xml><?xml version="1.0" encoding="utf-8"?>
+<p:sld xmlns:a="http://schemas.openxmlformats.org/drawingml/2006/main" xmlns:r="http://schemas.openxmlformats.org/officeDocument/2006/relationships" xmlns:p="http://schemas.openxmlformats.org/presentationml/2006/main">
+  <p:cSld>
+    <p:spTree>
+      <p:nvGrpSpPr>
+        <p:cNvPr id="1" name=""/>
+        <p:cNvGrpSpPr/>
+        <p:nvPr/>
+      </p:nvGrpSpPr>
+      <p:grpSpPr>
+        <a:xfrm>
+          <a:off x="0" y="0"/>
+          <a:ext cx="0" cy="0"/>
+          <a:chOff x="0" y="0"/>
+          <a:chExt cx="0" cy="0"/>
+        </a:xfrm>
+      </p:grpSpPr>
+      <p:sp>
+        <p:nvSpPr>
+          <p:cNvPr id="2" name="제목 1"/>
+          <p:cNvSpPr>
+            <a:spLocks noGrp="1"/>
+          </p:cNvSpPr>
+          <p:nvPr>
+            <p:ph type="title"/>
+          </p:nvPr>
+        </p:nvSpPr>
+        <p:spPr/>
+        <p:txBody>
+          <a:bodyPr/>
+          <a:lstStyle/>
+          <a:p>
+            <a:r>
+              <a:rPr lang="en-US" altLang="ko-KR" dirty="0"/>
+              <a:t> </a:t>
+            </a:r>
+            <a:r>
+              <a:rPr lang="ko-KR" altLang="en-US" dirty="0" smtClean="0"/>
+              <a:t>회원 커뮤니티 사이트</a:t>
+            </a:r>
+            <a:endParaRPr lang="ko-KR" altLang="en-US" dirty="0"/>
+          </a:p>
+        </p:txBody>
+      </p:sp>
+      <p:sp>
+        <p:nvSpPr>
+          <p:cNvPr id="4" name="슬라이드 번호 개체 틀 3"/>
+          <p:cNvSpPr>
+            <a:spLocks noGrp="1"/>
+          </p:cNvSpPr>
+          <p:nvPr>
+            <p:ph type="sldNum" sz="quarter" idx="12"/>
+          </p:nvPr>
+        </p:nvSpPr>
+        <p:spPr/>
+        <p:txBody>
+          <a:bodyPr/>
+          <a:lstStyle/>
+          <a:p>
+            <a:fld id="{1BDE3FE7-3AEA-4B05-AC5A-802D1816ACF0}" type="slidenum">
+              <a:rPr lang="ko-KR" altLang="en-US" smtClean="0"/>
+              <a:t>37</a:t>
+            </a:fld>
+            <a:endParaRPr lang="ko-KR" altLang="en-US"/>
+          </a:p>
+        </p:txBody>
+      </p:sp>
+      <p:sp>
+        <p:nvSpPr>
+          <p:cNvPr id="6" name="TextBox 5"/>
+          <p:cNvSpPr txBox="1"/>
+          <p:nvPr/>
+        </p:nvSpPr>
+        <p:spPr>
+          <a:xfrm>
+            <a:off x="1136576" y="1412776"/>
+            <a:ext cx="2704587" cy="400110"/>
+          </a:xfrm>
+          <a:prstGeom prst="rect">
+            <a:avLst/>
+          </a:prstGeom>
+          <a:noFill/>
+        </p:spPr>
+        <p:txBody>
+          <a:bodyPr wrap="none" rtlCol="0">
+            <a:spAutoFit/>
+          </a:bodyPr>
+          <a:lstStyle/>
+          <a:p>
+            <a:pPr marL="285750" indent="-285750">
+              <a:buFont typeface="Wingdings" panose="05000000000000000000" pitchFamily="2" charset="2"/>
+              <a:buChar char="l"/>
+            </a:pPr>
+            <a:r>
+              <a:rPr lang="ko-KR" altLang="en-US" sz="2000" dirty="0" err="1" smtClean="0"/>
+              <a:t>게시글</a:t>
+            </a:r>
+            <a:r>
+              <a:rPr lang="ko-KR" altLang="en-US" sz="2000" dirty="0" smtClean="0"/>
+              <a:t> 수정일 구현</a:t>
+            </a:r>
+            <a:endParaRPr lang="ko-KR" altLang="en-US" sz="2000" dirty="0"/>
+          </a:p>
+        </p:txBody>
+      </p:sp>
+      <p:pic>
+        <p:nvPicPr>
+          <p:cNvPr id="3" name="그림 2"/>
+          <p:cNvPicPr>
+            <a:picLocks noChangeAspect="1"/>
+          </p:cNvPicPr>
+          <p:nvPr/>
+        </p:nvPicPr>
+        <p:blipFill>
+          <a:blip r:embed="rId2">
+            <a:extLst>
+              <a:ext uri="{28A0092B-C50C-407E-A947-70E740481C1C}">
+                <a14:useLocalDpi xmlns:a14="http://schemas.microsoft.com/office/drawing/2010/main" val="0"/>
+              </a:ext>
+            </a:extLst>
+          </a:blip>
+          <a:stretch>
+            <a:fillRect/>
+          </a:stretch>
+        </p:blipFill>
+        <p:spPr>
+          <a:xfrm>
+            <a:off x="1352600" y="1988840"/>
+            <a:ext cx="7629491" cy="4248472"/>
+          </a:xfrm>
+          <a:prstGeom prst="rect">
+            <a:avLst/>
+          </a:prstGeom>
+          <a:ln>
+            <a:solidFill>
+              <a:schemeClr val="bg1">
+                <a:lumMod val="85000"/>
+              </a:schemeClr>
+            </a:solidFill>
+          </a:ln>
+        </p:spPr>
+      </p:pic>
+    </p:spTree>
+    <p:extLst>
+      <p:ext uri="{BB962C8B-B14F-4D97-AF65-F5344CB8AC3E}">
+        <p14:creationId xmlns:p14="http://schemas.microsoft.com/office/powerpoint/2010/main" val="2718333415"/>
+      </p:ext>
+    </p:extLst>
+  </p:cSld>
+  <p:clrMapOvr>
+    <a:masterClrMapping/>
+  </p:clrMapOvr>
+  <p:timing>
+    <p:tnLst>
+      <p:par>
+        <p:cTn id="1" dur="indefinite" restart="never" nodeType="tmRoot"/>
+      </p:par>
+    </p:tnLst>
+  </p:timing>
+</p:sld>
+</file>
+
+<file path=ppt/slides/slide38.xml><?xml version="1.0" encoding="utf-8"?>
+<p:sld xmlns:a="http://schemas.openxmlformats.org/drawingml/2006/main" xmlns:r="http://schemas.openxmlformats.org/officeDocument/2006/relationships" xmlns:p="http://schemas.openxmlformats.org/presentationml/2006/main">
+  <p:cSld>
+    <p:spTree>
+      <p:nvGrpSpPr>
+        <p:cNvPr id="1" name=""/>
+        <p:cNvGrpSpPr/>
+        <p:nvPr/>
+      </p:nvGrpSpPr>
+      <p:grpSpPr>
+        <a:xfrm>
+          <a:off x="0" y="0"/>
+          <a:ext cx="0" cy="0"/>
+          <a:chOff x="0" y="0"/>
+          <a:chExt cx="0" cy="0"/>
+        </a:xfrm>
+      </p:grpSpPr>
+      <p:sp>
+        <p:nvSpPr>
+          <p:cNvPr id="2" name="제목 1"/>
+          <p:cNvSpPr>
+            <a:spLocks noGrp="1"/>
+          </p:cNvSpPr>
+          <p:nvPr>
+            <p:ph type="title"/>
+          </p:nvPr>
+        </p:nvSpPr>
+        <p:spPr/>
+        <p:txBody>
+          <a:bodyPr/>
+          <a:lstStyle/>
+          <a:p>
+            <a:r>
+              <a:rPr lang="en-US" altLang="ko-KR" dirty="0"/>
+              <a:t> </a:t>
+            </a:r>
+            <a:r>
+              <a:rPr lang="ko-KR" altLang="en-US" dirty="0" smtClean="0"/>
+              <a:t>회원 커뮤니티 사이트</a:t>
+            </a:r>
+            <a:endParaRPr lang="ko-KR" altLang="en-US" dirty="0"/>
+          </a:p>
+        </p:txBody>
+      </p:sp>
+      <p:sp>
+        <p:nvSpPr>
+          <p:cNvPr id="4" name="슬라이드 번호 개체 틀 3"/>
+          <p:cNvSpPr>
+            <a:spLocks noGrp="1"/>
+          </p:cNvSpPr>
+          <p:nvPr>
+            <p:ph type="sldNum" sz="quarter" idx="12"/>
+          </p:nvPr>
+        </p:nvSpPr>
+        <p:spPr/>
+        <p:txBody>
+          <a:bodyPr/>
+          <a:lstStyle/>
+          <a:p>
+            <a:fld id="{1BDE3FE7-3AEA-4B05-AC5A-802D1816ACF0}" type="slidenum">
+              <a:rPr lang="ko-KR" altLang="en-US" smtClean="0"/>
+              <a:t>38</a:t>
+            </a:fld>
+            <a:endParaRPr lang="ko-KR" altLang="en-US"/>
+          </a:p>
+        </p:txBody>
+      </p:sp>
+      <p:sp>
+        <p:nvSpPr>
+          <p:cNvPr id="6" name="TextBox 5"/>
+          <p:cNvSpPr txBox="1"/>
+          <p:nvPr/>
+        </p:nvSpPr>
+        <p:spPr>
+          <a:xfrm>
+            <a:off x="1136576" y="1412776"/>
+            <a:ext cx="7488832" cy="400110"/>
+          </a:xfrm>
+          <a:prstGeom prst="rect">
+            <a:avLst/>
+          </a:prstGeom>
+          <a:noFill/>
+        </p:spPr>
+        <p:txBody>
+          <a:bodyPr wrap="square" rtlCol="0">
+            <a:spAutoFit/>
+          </a:bodyPr>
+          <a:lstStyle/>
+          <a:p>
+            <a:pPr marL="285750" indent="-285750">
+              <a:buFont typeface="Wingdings" panose="05000000000000000000" pitchFamily="2" charset="2"/>
+              <a:buChar char="l"/>
+            </a:pPr>
+            <a:r>
+              <a:rPr lang="ko-KR" altLang="en-US" sz="2000" dirty="0" smtClean="0"/>
+              <a:t>글쓰기 및 </a:t>
+            </a:r>
+            <a:r>
+              <a:rPr lang="ko-KR" altLang="en-US" sz="2000" dirty="0" err="1" smtClean="0"/>
+              <a:t>수정시</a:t>
+            </a:r>
+            <a:r>
+              <a:rPr lang="ko-KR" altLang="en-US" sz="2000" dirty="0" smtClean="0"/>
+              <a:t> 특수문자 </a:t>
+            </a:r>
+            <a:r>
+              <a:rPr lang="ko-KR" altLang="en-US" sz="2000" dirty="0" err="1" smtClean="0"/>
+              <a:t>홑따옴표</a:t>
+            </a:r>
+            <a:r>
+              <a:rPr lang="en-US" altLang="ko-KR" sz="2000" dirty="0" smtClean="0"/>
+              <a:t>(‘’) </a:t>
+            </a:r>
+            <a:r>
+              <a:rPr lang="ko-KR" altLang="en-US" sz="2000" dirty="0" smtClean="0"/>
+              <a:t>작성 오류 해결</a:t>
+            </a:r>
+            <a:r>
+              <a:rPr lang="en-US" altLang="ko-KR" sz="2000" dirty="0" smtClean="0"/>
+              <a:t> </a:t>
+            </a:r>
+            <a:endParaRPr lang="ko-KR" altLang="en-US" sz="2000" dirty="0"/>
+          </a:p>
+        </p:txBody>
+      </p:sp>
+      <p:pic>
+        <p:nvPicPr>
+          <p:cNvPr id="7" name="그림 6"/>
+          <p:cNvPicPr>
+            <a:picLocks noChangeAspect="1"/>
+          </p:cNvPicPr>
+          <p:nvPr/>
+        </p:nvPicPr>
+        <p:blipFill>
+          <a:blip r:embed="rId2">
+            <a:extLst>
+              <a:ext uri="{28A0092B-C50C-407E-A947-70E740481C1C}">
+                <a14:useLocalDpi xmlns:a14="http://schemas.microsoft.com/office/drawing/2010/main" val="0"/>
+              </a:ext>
+            </a:extLst>
+          </a:blip>
+          <a:stretch>
+            <a:fillRect/>
+          </a:stretch>
+        </p:blipFill>
+        <p:spPr>
+          <a:xfrm>
+            <a:off x="1573357" y="2627780"/>
+            <a:ext cx="6336704" cy="1780211"/>
+          </a:xfrm>
+          <a:prstGeom prst="rect">
+            <a:avLst/>
+          </a:prstGeom>
+          <a:ln>
+            <a:solidFill>
+              <a:schemeClr val="bg1">
+                <a:lumMod val="85000"/>
+              </a:schemeClr>
+            </a:solidFill>
+          </a:ln>
+        </p:spPr>
+      </p:pic>
+      <p:pic>
+        <p:nvPicPr>
+          <p:cNvPr id="8" name="그림 7"/>
+          <p:cNvPicPr>
+            <a:picLocks noChangeAspect="1"/>
+          </p:cNvPicPr>
+          <p:nvPr/>
+        </p:nvPicPr>
+        <p:blipFill rotWithShape="1">
+          <a:blip r:embed="rId3">
+            <a:extLst>
+              <a:ext uri="{28A0092B-C50C-407E-A947-70E740481C1C}">
+                <a14:useLocalDpi xmlns:a14="http://schemas.microsoft.com/office/drawing/2010/main" val="0"/>
+              </a:ext>
+            </a:extLst>
+          </a:blip>
+          <a:srcRect b="30937"/>
+          <a:stretch/>
+        </p:blipFill>
+        <p:spPr>
+          <a:xfrm>
+            <a:off x="1573357" y="4718597"/>
+            <a:ext cx="6336704" cy="1446707"/>
+          </a:xfrm>
+          <a:prstGeom prst="rect">
+            <a:avLst/>
+          </a:prstGeom>
+          <a:ln>
+            <a:solidFill>
+              <a:schemeClr val="bg1">
+                <a:lumMod val="85000"/>
+              </a:schemeClr>
+            </a:solidFill>
+          </a:ln>
+        </p:spPr>
+      </p:pic>
+      <p:sp>
+        <p:nvSpPr>
+          <p:cNvPr id="9" name="TextBox 8"/>
+          <p:cNvSpPr txBox="1"/>
+          <p:nvPr/>
+        </p:nvSpPr>
+        <p:spPr>
+          <a:xfrm>
+            <a:off x="1712640" y="1988840"/>
+            <a:ext cx="5544616" cy="408623"/>
+          </a:xfrm>
+          <a:prstGeom prst="roundRect">
+            <a:avLst/>
+          </a:prstGeom>
+        </p:spPr>
+        <p:style>
+          <a:lnRef idx="2">
+            <a:schemeClr val="accent2"/>
+          </a:lnRef>
+          <a:fillRef idx="1">
+            <a:schemeClr val="lt1"/>
+          </a:fillRef>
+          <a:effectRef idx="0">
+            <a:schemeClr val="accent2"/>
+          </a:effectRef>
+          <a:fontRef idx="minor">
+            <a:schemeClr val="dk1"/>
+          </a:fontRef>
+        </p:style>
+        <p:txBody>
+          <a:bodyPr wrap="square" rtlCol="0">
+            <a:spAutoFit/>
+          </a:bodyPr>
+          <a:lstStyle/>
+          <a:p>
+            <a:r>
+              <a:rPr lang="en-US" altLang="ko-KR" dirty="0"/>
+              <a:t>r</a:t>
+            </a:r>
+            <a:r>
+              <a:rPr lang="en-US" altLang="ko-KR" dirty="0" smtClean="0"/>
+              <a:t>eplace(“ ’ ”, “ ’’ ”) – </a:t>
+            </a:r>
+            <a:r>
+              <a:rPr lang="ko-KR" altLang="en-US" dirty="0" err="1" smtClean="0"/>
+              <a:t>홑따옴표를</a:t>
+            </a:r>
+            <a:r>
+              <a:rPr lang="ko-KR" altLang="en-US" dirty="0" smtClean="0"/>
+              <a:t> </a:t>
+            </a:r>
+            <a:r>
+              <a:rPr lang="ko-KR" altLang="en-US" dirty="0" err="1" smtClean="0"/>
+              <a:t>쌍따옴표로</a:t>
+            </a:r>
+            <a:r>
+              <a:rPr lang="ko-KR" altLang="en-US" dirty="0" smtClean="0"/>
+              <a:t> 변경함</a:t>
+            </a:r>
+            <a:endParaRPr lang="ko-KR" altLang="en-US" dirty="0"/>
+          </a:p>
+        </p:txBody>
+      </p:sp>
+    </p:spTree>
+    <p:extLst>
+      <p:ext uri="{BB962C8B-B14F-4D97-AF65-F5344CB8AC3E}">
+        <p14:creationId xmlns:p14="http://schemas.microsoft.com/office/powerpoint/2010/main" val="42532551"/>
+      </p:ext>
+    </p:extLst>
+  </p:cSld>
+  <p:clrMapOvr>
+    <a:masterClrMapping/>
+  </p:clrMapOvr>
+  <p:timing>
+    <p:tnLst>
+      <p:par>
+        <p:cTn id="1" dur="indefinite" restart="never" nodeType="tmRoot"/>
+      </p:par>
+    </p:tnLst>
+  </p:timing>
+</p:sld>
+</file>
+
+<file path=ppt/slides/slide39.xml><?xml version="1.0" encoding="utf-8"?>
+<p:sld xmlns:a="http://schemas.openxmlformats.org/drawingml/2006/main" xmlns:r="http://schemas.openxmlformats.org/officeDocument/2006/relationships" xmlns:p="http://schemas.openxmlformats.org/presentationml/2006/main">
+  <p:cSld>
+    <p:spTree>
+      <p:nvGrpSpPr>
+        <p:cNvPr id="1" name=""/>
+        <p:cNvGrpSpPr/>
+        <p:nvPr/>
+      </p:nvGrpSpPr>
+      <p:grpSpPr>
+        <a:xfrm>
+          <a:off x="0" y="0"/>
+          <a:ext cx="0" cy="0"/>
+          <a:chOff x="0" y="0"/>
+          <a:chExt cx="0" cy="0"/>
+        </a:xfrm>
+      </p:grpSpPr>
+      <p:sp>
+        <p:nvSpPr>
+          <p:cNvPr id="2" name="제목 1"/>
+          <p:cNvSpPr>
+            <a:spLocks noGrp="1"/>
+          </p:cNvSpPr>
+          <p:nvPr>
+            <p:ph type="title"/>
+          </p:nvPr>
+        </p:nvSpPr>
+        <p:spPr/>
+        <p:txBody>
+          <a:bodyPr/>
+          <a:lstStyle/>
+          <a:p>
+            <a:r>
+              <a:rPr lang="en-US" altLang="ko-KR" dirty="0"/>
+              <a:t> </a:t>
+            </a:r>
+            <a:r>
+              <a:rPr lang="ko-KR" altLang="en-US" dirty="0" smtClean="0"/>
+              <a:t>회원 커뮤니티 사이트</a:t>
+            </a:r>
+            <a:endParaRPr lang="ko-KR" altLang="en-US" dirty="0"/>
+          </a:p>
+        </p:txBody>
+      </p:sp>
+      <p:sp>
+        <p:nvSpPr>
+          <p:cNvPr id="4" name="슬라이드 번호 개체 틀 3"/>
+          <p:cNvSpPr>
+            <a:spLocks noGrp="1"/>
+          </p:cNvSpPr>
+          <p:nvPr>
+            <p:ph type="sldNum" sz="quarter" idx="12"/>
+          </p:nvPr>
+        </p:nvSpPr>
+        <p:spPr/>
+        <p:txBody>
+          <a:bodyPr/>
+          <a:lstStyle/>
+          <a:p>
+            <a:fld id="{1BDE3FE7-3AEA-4B05-AC5A-802D1816ACF0}" type="slidenum">
+              <a:rPr lang="ko-KR" altLang="en-US" smtClean="0"/>
+              <a:t>39</a:t>
+            </a:fld>
+            <a:endParaRPr lang="ko-KR" altLang="en-US"/>
+          </a:p>
+        </p:txBody>
+      </p:sp>
+      <p:sp>
+        <p:nvSpPr>
+          <p:cNvPr id="6" name="TextBox 5"/>
+          <p:cNvSpPr txBox="1"/>
+          <p:nvPr/>
+        </p:nvSpPr>
+        <p:spPr>
+          <a:xfrm>
+            <a:off x="1136576" y="1412776"/>
+            <a:ext cx="4968552" cy="400110"/>
+          </a:xfrm>
+          <a:prstGeom prst="rect">
+            <a:avLst/>
+          </a:prstGeom>
+          <a:noFill/>
+        </p:spPr>
+        <p:txBody>
+          <a:bodyPr wrap="square" rtlCol="0">
+            <a:spAutoFit/>
+          </a:bodyPr>
+          <a:lstStyle/>
+          <a:p>
+            <a:pPr marL="285750" indent="-285750">
+              <a:buFont typeface="Wingdings" panose="05000000000000000000" pitchFamily="2" charset="2"/>
+              <a:buChar char="l"/>
+            </a:pPr>
+            <a:r>
+              <a:rPr lang="en-US" altLang="ko-KR" sz="2000" dirty="0" err="1" smtClean="0"/>
+              <a:t>Textarea</a:t>
+            </a:r>
+            <a:r>
+              <a:rPr lang="ko-KR" altLang="en-US" sz="2000" dirty="0" smtClean="0"/>
+              <a:t>의 크기 조절 못하도록 설정</a:t>
+            </a:r>
+            <a:r>
+              <a:rPr lang="en-US" altLang="ko-KR" sz="2000" dirty="0" smtClean="0"/>
+              <a:t> </a:t>
+            </a:r>
+            <a:endParaRPr lang="ko-KR" altLang="en-US" sz="2000" dirty="0"/>
+          </a:p>
+        </p:txBody>
+      </p:sp>
+      <p:pic>
+        <p:nvPicPr>
+          <p:cNvPr id="3" name="그림 2"/>
+          <p:cNvPicPr>
+            <a:picLocks noChangeAspect="1"/>
+          </p:cNvPicPr>
+          <p:nvPr/>
+        </p:nvPicPr>
+        <p:blipFill>
+          <a:blip r:embed="rId2">
+            <a:extLst>
+              <a:ext uri="{28A0092B-C50C-407E-A947-70E740481C1C}">
+                <a14:useLocalDpi xmlns:a14="http://schemas.microsoft.com/office/drawing/2010/main" val="0"/>
+              </a:ext>
+            </a:extLst>
+          </a:blip>
+          <a:stretch>
+            <a:fillRect/>
+          </a:stretch>
+        </p:blipFill>
+        <p:spPr>
+          <a:xfrm>
+            <a:off x="2072680" y="2060848"/>
+            <a:ext cx="4468207" cy="4068612"/>
+          </a:xfrm>
+          <a:prstGeom prst="rect">
+            <a:avLst/>
+          </a:prstGeom>
+        </p:spPr>
+      </p:pic>
+    </p:spTree>
+    <p:extLst>
+      <p:ext uri="{BB962C8B-B14F-4D97-AF65-F5344CB8AC3E}">
+        <p14:creationId xmlns:p14="http://schemas.microsoft.com/office/powerpoint/2010/main" val="4135736140"/>
       </p:ext>
     </p:extLst>
   </p:cSld>
@@ -8358,6 +9349,323 @@
     <p:extLst>
       <p:ext uri="{BB962C8B-B14F-4D97-AF65-F5344CB8AC3E}">
         <p14:creationId xmlns:p14="http://schemas.microsoft.com/office/powerpoint/2010/main" val="1766750027"/>
+      </p:ext>
+    </p:extLst>
+  </p:cSld>
+  <p:clrMapOvr>
+    <a:masterClrMapping/>
+  </p:clrMapOvr>
+  <p:timing>
+    <p:tnLst>
+      <p:par>
+        <p:cTn id="1" dur="indefinite" restart="never" nodeType="tmRoot"/>
+      </p:par>
+    </p:tnLst>
+  </p:timing>
+</p:sld>
+</file>
+
+<file path=ppt/slides/slide40.xml><?xml version="1.0" encoding="utf-8"?>
+<p:sld xmlns:a="http://schemas.openxmlformats.org/drawingml/2006/main" xmlns:r="http://schemas.openxmlformats.org/officeDocument/2006/relationships" xmlns:p="http://schemas.openxmlformats.org/presentationml/2006/main">
+  <p:cSld>
+    <p:spTree>
+      <p:nvGrpSpPr>
+        <p:cNvPr id="1" name=""/>
+        <p:cNvGrpSpPr/>
+        <p:nvPr/>
+      </p:nvGrpSpPr>
+      <p:grpSpPr>
+        <a:xfrm>
+          <a:off x="0" y="0"/>
+          <a:ext cx="0" cy="0"/>
+          <a:chOff x="0" y="0"/>
+          <a:chExt cx="0" cy="0"/>
+        </a:xfrm>
+      </p:grpSpPr>
+      <p:sp>
+        <p:nvSpPr>
+          <p:cNvPr id="2" name="제목 1"/>
+          <p:cNvSpPr>
+            <a:spLocks noGrp="1"/>
+          </p:cNvSpPr>
+          <p:nvPr>
+            <p:ph type="title"/>
+          </p:nvPr>
+        </p:nvSpPr>
+        <p:spPr/>
+        <p:txBody>
+          <a:bodyPr/>
+          <a:lstStyle/>
+          <a:p>
+            <a:r>
+              <a:rPr lang="en-US" altLang="ko-KR" dirty="0"/>
+              <a:t> </a:t>
+            </a:r>
+            <a:r>
+              <a:rPr lang="ko-KR" altLang="en-US" dirty="0" smtClean="0"/>
+              <a:t>회원 커뮤니티 사이트</a:t>
+            </a:r>
+            <a:endParaRPr lang="ko-KR" altLang="en-US" dirty="0"/>
+          </a:p>
+        </p:txBody>
+      </p:sp>
+      <p:sp>
+        <p:nvSpPr>
+          <p:cNvPr id="4" name="슬라이드 번호 개체 틀 3"/>
+          <p:cNvSpPr>
+            <a:spLocks noGrp="1"/>
+          </p:cNvSpPr>
+          <p:nvPr>
+            <p:ph type="sldNum" sz="quarter" idx="12"/>
+          </p:nvPr>
+        </p:nvSpPr>
+        <p:spPr/>
+        <p:txBody>
+          <a:bodyPr/>
+          <a:lstStyle/>
+          <a:p>
+            <a:fld id="{1BDE3FE7-3AEA-4B05-AC5A-802D1816ACF0}" type="slidenum">
+              <a:rPr lang="ko-KR" altLang="en-US" smtClean="0"/>
+              <a:t>40</a:t>
+            </a:fld>
+            <a:endParaRPr lang="ko-KR" altLang="en-US"/>
+          </a:p>
+        </p:txBody>
+      </p:sp>
+      <p:sp>
+        <p:nvSpPr>
+          <p:cNvPr id="6" name="TextBox 5"/>
+          <p:cNvSpPr txBox="1"/>
+          <p:nvPr/>
+        </p:nvSpPr>
+        <p:spPr>
+          <a:xfrm>
+            <a:off x="1136576" y="1412776"/>
+            <a:ext cx="4320480" cy="400110"/>
+          </a:xfrm>
+          <a:prstGeom prst="rect">
+            <a:avLst/>
+          </a:prstGeom>
+          <a:noFill/>
+        </p:spPr>
+        <p:txBody>
+          <a:bodyPr wrap="square" rtlCol="0">
+            <a:spAutoFit/>
+          </a:bodyPr>
+          <a:lstStyle/>
+          <a:p>
+            <a:pPr marL="285750" indent="-285750">
+              <a:buFont typeface="Wingdings" panose="05000000000000000000" pitchFamily="2" charset="2"/>
+              <a:buChar char="l"/>
+            </a:pPr>
+            <a:r>
+              <a:rPr lang="en-US" altLang="ko-KR" sz="2000" dirty="0" err="1" smtClean="0"/>
+              <a:t>textarea</a:t>
+            </a:r>
+            <a:r>
+              <a:rPr lang="ko-KR" altLang="en-US" sz="2000" dirty="0" smtClean="0"/>
+              <a:t>태그의 </a:t>
+            </a:r>
+            <a:r>
+              <a:rPr lang="en-US" altLang="ko-KR" sz="2000" dirty="0" smtClean="0"/>
+              <a:t>resize </a:t>
+            </a:r>
+            <a:endParaRPr lang="ko-KR" altLang="en-US" sz="2000" dirty="0"/>
+          </a:p>
+        </p:txBody>
+      </p:sp>
+      <p:pic>
+        <p:nvPicPr>
+          <p:cNvPr id="5" name="그림 4"/>
+          <p:cNvPicPr>
+            <a:picLocks noChangeAspect="1"/>
+          </p:cNvPicPr>
+          <p:nvPr/>
+        </p:nvPicPr>
+        <p:blipFill>
+          <a:blip r:embed="rId2">
+            <a:extLst>
+              <a:ext uri="{28A0092B-C50C-407E-A947-70E740481C1C}">
+                <a14:useLocalDpi xmlns:a14="http://schemas.microsoft.com/office/drawing/2010/main" val="0"/>
+              </a:ext>
+            </a:extLst>
+          </a:blip>
+          <a:stretch>
+            <a:fillRect/>
+          </a:stretch>
+        </p:blipFill>
+        <p:spPr>
+          <a:xfrm>
+            <a:off x="1496616" y="2060848"/>
+            <a:ext cx="5410669" cy="2872989"/>
+          </a:xfrm>
+          <a:prstGeom prst="rect">
+            <a:avLst/>
+          </a:prstGeom>
+        </p:spPr>
+      </p:pic>
+    </p:spTree>
+    <p:extLst>
+      <p:ext uri="{BB962C8B-B14F-4D97-AF65-F5344CB8AC3E}">
+        <p14:creationId xmlns:p14="http://schemas.microsoft.com/office/powerpoint/2010/main" val="2254291889"/>
+      </p:ext>
+    </p:extLst>
+  </p:cSld>
+  <p:clrMapOvr>
+    <a:masterClrMapping/>
+  </p:clrMapOvr>
+  <p:timing>
+    <p:tnLst>
+      <p:par>
+        <p:cTn id="1" dur="indefinite" restart="never" nodeType="tmRoot"/>
+      </p:par>
+    </p:tnLst>
+  </p:timing>
+</p:sld>
+</file>
+
+<file path=ppt/slides/slide41.xml><?xml version="1.0" encoding="utf-8"?>
+<p:sld xmlns:a="http://schemas.openxmlformats.org/drawingml/2006/main" xmlns:r="http://schemas.openxmlformats.org/officeDocument/2006/relationships" xmlns:p="http://schemas.openxmlformats.org/presentationml/2006/main">
+  <p:cSld>
+    <p:spTree>
+      <p:nvGrpSpPr>
+        <p:cNvPr id="1" name=""/>
+        <p:cNvGrpSpPr/>
+        <p:nvPr/>
+      </p:nvGrpSpPr>
+      <p:grpSpPr>
+        <a:xfrm>
+          <a:off x="0" y="0"/>
+          <a:ext cx="0" cy="0"/>
+          <a:chOff x="0" y="0"/>
+          <a:chExt cx="0" cy="0"/>
+        </a:xfrm>
+      </p:grpSpPr>
+      <p:sp>
+        <p:nvSpPr>
+          <p:cNvPr id="2" name="제목 1"/>
+          <p:cNvSpPr>
+            <a:spLocks noGrp="1"/>
+          </p:cNvSpPr>
+          <p:nvPr>
+            <p:ph type="title"/>
+          </p:nvPr>
+        </p:nvSpPr>
+        <p:spPr/>
+        <p:txBody>
+          <a:bodyPr/>
+          <a:lstStyle/>
+          <a:p>
+            <a:r>
+              <a:rPr lang="en-US" altLang="ko-KR" dirty="0"/>
+              <a:t> </a:t>
+            </a:r>
+            <a:r>
+              <a:rPr lang="ko-KR" altLang="en-US" dirty="0" smtClean="0"/>
+              <a:t>회원 커뮤니티 사이트</a:t>
+            </a:r>
+            <a:endParaRPr lang="ko-KR" altLang="en-US" dirty="0"/>
+          </a:p>
+        </p:txBody>
+      </p:sp>
+      <p:sp>
+        <p:nvSpPr>
+          <p:cNvPr id="4" name="슬라이드 번호 개체 틀 3"/>
+          <p:cNvSpPr>
+            <a:spLocks noGrp="1"/>
+          </p:cNvSpPr>
+          <p:nvPr>
+            <p:ph type="sldNum" sz="quarter" idx="12"/>
+          </p:nvPr>
+        </p:nvSpPr>
+        <p:spPr/>
+        <p:txBody>
+          <a:bodyPr/>
+          <a:lstStyle/>
+          <a:p>
+            <a:fld id="{1BDE3FE7-3AEA-4B05-AC5A-802D1816ACF0}" type="slidenum">
+              <a:rPr lang="ko-KR" altLang="en-US" smtClean="0"/>
+              <a:t>41</a:t>
+            </a:fld>
+            <a:endParaRPr lang="ko-KR" altLang="en-US"/>
+          </a:p>
+        </p:txBody>
+      </p:sp>
+      <p:sp>
+        <p:nvSpPr>
+          <p:cNvPr id="6" name="TextBox 5"/>
+          <p:cNvSpPr txBox="1"/>
+          <p:nvPr/>
+        </p:nvSpPr>
+        <p:spPr>
+          <a:xfrm>
+            <a:off x="1136576" y="1412776"/>
+            <a:ext cx="1128386" cy="400110"/>
+          </a:xfrm>
+          <a:prstGeom prst="rect">
+            <a:avLst/>
+          </a:prstGeom>
+          <a:noFill/>
+        </p:spPr>
+        <p:txBody>
+          <a:bodyPr wrap="none" rtlCol="0">
+            <a:spAutoFit/>
+          </a:bodyPr>
+          <a:lstStyle/>
+          <a:p>
+            <a:pPr marL="285750" indent="-285750">
+              <a:buFont typeface="Wingdings" panose="05000000000000000000" pitchFamily="2" charset="2"/>
+              <a:buChar char="l"/>
+            </a:pPr>
+            <a:r>
+              <a:rPr lang="en-US" altLang="ko-KR" sz="2000" dirty="0" smtClean="0"/>
+              <a:t>resize</a:t>
+            </a:r>
+            <a:endParaRPr lang="ko-KR" altLang="en-US" sz="2000" dirty="0"/>
+          </a:p>
+        </p:txBody>
+      </p:sp>
+      <p:pic>
+        <p:nvPicPr>
+          <p:cNvPr id="3" name="그림 2"/>
+          <p:cNvPicPr>
+            <a:picLocks noChangeAspect="1"/>
+          </p:cNvPicPr>
+          <p:nvPr/>
+        </p:nvPicPr>
+        <p:blipFill>
+          <a:blip r:embed="rId2">
+            <a:extLst>
+              <a:ext uri="{28A0092B-C50C-407E-A947-70E740481C1C}">
+                <a14:useLocalDpi xmlns:a14="http://schemas.microsoft.com/office/drawing/2010/main" val="0"/>
+              </a:ext>
+            </a:extLst>
+          </a:blip>
+          <a:stretch>
+            <a:fillRect/>
+          </a:stretch>
+        </p:blipFill>
+        <p:spPr>
+          <a:xfrm>
+            <a:off x="1496616" y="1916832"/>
+            <a:ext cx="6497672" cy="4536505"/>
+          </a:xfrm>
+          <a:prstGeom prst="rect">
+            <a:avLst/>
+          </a:prstGeom>
+          <a:ln>
+            <a:solidFill>
+              <a:schemeClr val="bg1">
+                <a:lumMod val="85000"/>
+              </a:schemeClr>
+            </a:solidFill>
+          </a:ln>
+        </p:spPr>
+      </p:pic>
+    </p:spTree>
+    <p:extLst>
+      <p:ext uri="{BB962C8B-B14F-4D97-AF65-F5344CB8AC3E}">
+        <p14:creationId xmlns:p14="http://schemas.microsoft.com/office/powerpoint/2010/main" val="340221700"/>
       </p:ext>
     </p:extLst>
   </p:cSld>
